--- a/05-CrDyn/Pictures/CrosscorFit+B.pptx
+++ b/05-CrDyn/Pictures/CrosscorFit+B.pptx
@@ -4,17 +4,20 @@
   <p:sldMasterIdLst>
     <p:sldMasterId id="2147483648" r:id="rId1"/>
   </p:sldMasterIdLst>
+  <p:notesMasterIdLst>
+    <p:notesMasterId r:id="rId3"/>
+  </p:notesMasterIdLst>
   <p:sldIdLst>
     <p:sldId id="256" r:id="rId2"/>
   </p:sldIdLst>
-  <p:sldSz cx="8280400" cy="3960813"/>
+  <p:sldSz cx="6804025" cy="6337300"/>
   <p:notesSz cx="6858000" cy="9144000"/>
   <p:defaultTextStyle>
     <a:defPPr>
-      <a:defRPr lang="fr-FR"/>
+      <a:defRPr lang="en-US"/>
     </a:defPPr>
-    <a:lvl1pPr marL="0" algn="l" defTabSz="720090" rtl="0" eaLnBrk="1" latinLnBrk="0" hangingPunct="1">
-      <a:defRPr sz="1400" kern="1200">
+    <a:lvl1pPr marL="0" algn="l" defTabSz="759043" rtl="0" eaLnBrk="1" latinLnBrk="0" hangingPunct="1">
+      <a:defRPr sz="1500" kern="1200">
         <a:solidFill>
           <a:schemeClr val="tx1"/>
         </a:solidFill>
@@ -23,8 +26,8 @@
         <a:cs typeface="+mn-cs"/>
       </a:defRPr>
     </a:lvl1pPr>
-    <a:lvl2pPr marL="360045" algn="l" defTabSz="720090" rtl="0" eaLnBrk="1" latinLnBrk="0" hangingPunct="1">
-      <a:defRPr sz="1400" kern="1200">
+    <a:lvl2pPr marL="379522" algn="l" defTabSz="759043" rtl="0" eaLnBrk="1" latinLnBrk="0" hangingPunct="1">
+      <a:defRPr sz="1500" kern="1200">
         <a:solidFill>
           <a:schemeClr val="tx1"/>
         </a:solidFill>
@@ -33,8 +36,8 @@
         <a:cs typeface="+mn-cs"/>
       </a:defRPr>
     </a:lvl2pPr>
-    <a:lvl3pPr marL="720090" algn="l" defTabSz="720090" rtl="0" eaLnBrk="1" latinLnBrk="0" hangingPunct="1">
-      <a:defRPr sz="1400" kern="1200">
+    <a:lvl3pPr marL="759043" algn="l" defTabSz="759043" rtl="0" eaLnBrk="1" latinLnBrk="0" hangingPunct="1">
+      <a:defRPr sz="1500" kern="1200">
         <a:solidFill>
           <a:schemeClr val="tx1"/>
         </a:solidFill>
@@ -43,8 +46,8 @@
         <a:cs typeface="+mn-cs"/>
       </a:defRPr>
     </a:lvl3pPr>
-    <a:lvl4pPr marL="1080135" algn="l" defTabSz="720090" rtl="0" eaLnBrk="1" latinLnBrk="0" hangingPunct="1">
-      <a:defRPr sz="1400" kern="1200">
+    <a:lvl4pPr marL="1138565" algn="l" defTabSz="759043" rtl="0" eaLnBrk="1" latinLnBrk="0" hangingPunct="1">
+      <a:defRPr sz="1500" kern="1200">
         <a:solidFill>
           <a:schemeClr val="tx1"/>
         </a:solidFill>
@@ -53,8 +56,8 @@
         <a:cs typeface="+mn-cs"/>
       </a:defRPr>
     </a:lvl4pPr>
-    <a:lvl5pPr marL="1440180" algn="l" defTabSz="720090" rtl="0" eaLnBrk="1" latinLnBrk="0" hangingPunct="1">
-      <a:defRPr sz="1400" kern="1200">
+    <a:lvl5pPr marL="1518087" algn="l" defTabSz="759043" rtl="0" eaLnBrk="1" latinLnBrk="0" hangingPunct="1">
+      <a:defRPr sz="1500" kern="1200">
         <a:solidFill>
           <a:schemeClr val="tx1"/>
         </a:solidFill>
@@ -63,8 +66,8 @@
         <a:cs typeface="+mn-cs"/>
       </a:defRPr>
     </a:lvl5pPr>
-    <a:lvl6pPr marL="1800225" algn="l" defTabSz="720090" rtl="0" eaLnBrk="1" latinLnBrk="0" hangingPunct="1">
-      <a:defRPr sz="1400" kern="1200">
+    <a:lvl6pPr marL="1897609" algn="l" defTabSz="759043" rtl="0" eaLnBrk="1" latinLnBrk="0" hangingPunct="1">
+      <a:defRPr sz="1500" kern="1200">
         <a:solidFill>
           <a:schemeClr val="tx1"/>
         </a:solidFill>
@@ -73,8 +76,8 @@
         <a:cs typeface="+mn-cs"/>
       </a:defRPr>
     </a:lvl6pPr>
-    <a:lvl7pPr marL="2160270" algn="l" defTabSz="720090" rtl="0" eaLnBrk="1" latinLnBrk="0" hangingPunct="1">
-      <a:defRPr sz="1400" kern="1200">
+    <a:lvl7pPr marL="2277130" algn="l" defTabSz="759043" rtl="0" eaLnBrk="1" latinLnBrk="0" hangingPunct="1">
+      <a:defRPr sz="1500" kern="1200">
         <a:solidFill>
           <a:schemeClr val="tx1"/>
         </a:solidFill>
@@ -83,8 +86,8 @@
         <a:cs typeface="+mn-cs"/>
       </a:defRPr>
     </a:lvl7pPr>
-    <a:lvl8pPr marL="2520315" algn="l" defTabSz="720090" rtl="0" eaLnBrk="1" latinLnBrk="0" hangingPunct="1">
-      <a:defRPr sz="1400" kern="1200">
+    <a:lvl8pPr marL="2656652" algn="l" defTabSz="759043" rtl="0" eaLnBrk="1" latinLnBrk="0" hangingPunct="1">
+      <a:defRPr sz="1500" kern="1200">
         <a:solidFill>
           <a:schemeClr val="tx1"/>
         </a:solidFill>
@@ -93,8 +96,8 @@
         <a:cs typeface="+mn-cs"/>
       </a:defRPr>
     </a:lvl8pPr>
-    <a:lvl9pPr marL="2880360" algn="l" defTabSz="720090" rtl="0" eaLnBrk="1" latinLnBrk="0" hangingPunct="1">
-      <a:defRPr sz="1400" kern="1200">
+    <a:lvl9pPr marL="3036174" algn="l" defTabSz="759043" rtl="0" eaLnBrk="1" latinLnBrk="0" hangingPunct="1">
+      <a:defRPr sz="1500" kern="1200">
         <a:solidFill>
           <a:schemeClr val="tx1"/>
         </a:solidFill>
@@ -105,6 +108,445 @@
     </a:lvl9pPr>
   </p:defaultTextStyle>
 </p:presentation>
+</file>
+
+<file path=ppt/notesMasters/notesMaster1.xml><?xml version="1.0" encoding="utf-8"?>
+<p:notesMaster xmlns:a="http://schemas.openxmlformats.org/drawingml/2006/main" xmlns:r="http://schemas.openxmlformats.org/officeDocument/2006/relationships" xmlns:p="http://schemas.openxmlformats.org/presentationml/2006/main">
+  <p:cSld>
+    <p:bg>
+      <p:bgRef idx="1001">
+        <a:schemeClr val="bg1"/>
+      </p:bgRef>
+    </p:bg>
+    <p:spTree>
+      <p:nvGrpSpPr>
+        <p:cNvPr id="1" name=""/>
+        <p:cNvGrpSpPr/>
+        <p:nvPr/>
+      </p:nvGrpSpPr>
+      <p:grpSpPr>
+        <a:xfrm>
+          <a:off x="0" y="0"/>
+          <a:ext cx="0" cy="0"/>
+          <a:chOff x="0" y="0"/>
+          <a:chExt cx="0" cy="0"/>
+        </a:xfrm>
+      </p:grpSpPr>
+      <p:sp>
+        <p:nvSpPr>
+          <p:cNvPr id="2" name="Espace réservé de l'en-tête 1"/>
+          <p:cNvSpPr>
+            <a:spLocks noGrp="1"/>
+          </p:cNvSpPr>
+          <p:nvPr>
+            <p:ph type="hdr" sz="quarter"/>
+          </p:nvPr>
+        </p:nvSpPr>
+        <p:spPr>
+          <a:xfrm>
+            <a:off x="0" y="0"/>
+            <a:ext cx="2971800" cy="457200"/>
+          </a:xfrm>
+          <a:prstGeom prst="rect">
+            <a:avLst/>
+          </a:prstGeom>
+        </p:spPr>
+        <p:txBody>
+          <a:bodyPr vert="horz" lIns="91440" tIns="45720" rIns="91440" bIns="45720" rtlCol="0"/>
+          <a:lstStyle>
+            <a:lvl1pPr algn="l">
+              <a:defRPr sz="1200"/>
+            </a:lvl1pPr>
+          </a:lstStyle>
+          <a:p>
+            <a:endParaRPr lang="en-US"/>
+          </a:p>
+        </p:txBody>
+      </p:sp>
+      <p:sp>
+        <p:nvSpPr>
+          <p:cNvPr id="3" name="Espace réservé de la date 2"/>
+          <p:cNvSpPr>
+            <a:spLocks noGrp="1"/>
+          </p:cNvSpPr>
+          <p:nvPr>
+            <p:ph type="dt" idx="1"/>
+          </p:nvPr>
+        </p:nvSpPr>
+        <p:spPr>
+          <a:xfrm>
+            <a:off x="3884613" y="0"/>
+            <a:ext cx="2971800" cy="457200"/>
+          </a:xfrm>
+          <a:prstGeom prst="rect">
+            <a:avLst/>
+          </a:prstGeom>
+        </p:spPr>
+        <p:txBody>
+          <a:bodyPr vert="horz" lIns="91440" tIns="45720" rIns="91440" bIns="45720" rtlCol="0"/>
+          <a:lstStyle>
+            <a:lvl1pPr algn="r">
+              <a:defRPr sz="1200"/>
+            </a:lvl1pPr>
+          </a:lstStyle>
+          <a:p>
+            <a:fld id="{846E01DE-34E9-49ED-964F-82AFB8FEED8D}" type="datetimeFigureOut">
+              <a:rPr lang="en-US" smtClean="0"/>
+              <a:t>6/22/2017</a:t>
+            </a:fld>
+            <a:endParaRPr lang="en-US"/>
+          </a:p>
+        </p:txBody>
+      </p:sp>
+      <p:sp>
+        <p:nvSpPr>
+          <p:cNvPr id="4" name="Espace réservé de l'image des diapositives 3"/>
+          <p:cNvSpPr>
+            <a:spLocks noGrp="1" noRot="1" noChangeAspect="1"/>
+          </p:cNvSpPr>
+          <p:nvPr>
+            <p:ph type="sldImg" idx="2"/>
+          </p:nvPr>
+        </p:nvSpPr>
+        <p:spPr>
+          <a:xfrm>
+            <a:off x="1587500" y="685800"/>
+            <a:ext cx="3683000" cy="3429000"/>
+          </a:xfrm>
+          <a:prstGeom prst="rect">
+            <a:avLst/>
+          </a:prstGeom>
+          <a:noFill/>
+          <a:ln w="12700">
+            <a:solidFill>
+              <a:prstClr val="black"/>
+            </a:solidFill>
+          </a:ln>
+        </p:spPr>
+        <p:txBody>
+          <a:bodyPr vert="horz" lIns="91440" tIns="45720" rIns="91440" bIns="45720" rtlCol="0" anchor="ctr"/>
+          <a:lstStyle/>
+          <a:p>
+            <a:endParaRPr lang="en-US"/>
+          </a:p>
+        </p:txBody>
+      </p:sp>
+      <p:sp>
+        <p:nvSpPr>
+          <p:cNvPr id="5" name="Espace réservé des commentaires 4"/>
+          <p:cNvSpPr>
+            <a:spLocks noGrp="1"/>
+          </p:cNvSpPr>
+          <p:nvPr>
+            <p:ph type="body" sz="quarter" idx="3"/>
+          </p:nvPr>
+        </p:nvSpPr>
+        <p:spPr>
+          <a:xfrm>
+            <a:off x="685800" y="4343400"/>
+            <a:ext cx="5486400" cy="4114800"/>
+          </a:xfrm>
+          <a:prstGeom prst="rect">
+            <a:avLst/>
+          </a:prstGeom>
+        </p:spPr>
+        <p:txBody>
+          <a:bodyPr vert="horz" lIns="91440" tIns="45720" rIns="91440" bIns="45720" rtlCol="0"/>
+          <a:lstStyle/>
+          <a:p>
+            <a:pPr lvl="0"/>
+            <a:r>
+              <a:rPr lang="fr-FR" smtClean="0"/>
+              <a:t>Modifiez les styles du texte du masque</a:t>
+            </a:r>
+          </a:p>
+          <a:p>
+            <a:pPr lvl="1"/>
+            <a:r>
+              <a:rPr lang="fr-FR" smtClean="0"/>
+              <a:t>Deuxième niveau</a:t>
+            </a:r>
+          </a:p>
+          <a:p>
+            <a:pPr lvl="2"/>
+            <a:r>
+              <a:rPr lang="fr-FR" smtClean="0"/>
+              <a:t>Troisième niveau</a:t>
+            </a:r>
+          </a:p>
+          <a:p>
+            <a:pPr lvl="3"/>
+            <a:r>
+              <a:rPr lang="fr-FR" smtClean="0"/>
+              <a:t>Quatrième niveau</a:t>
+            </a:r>
+          </a:p>
+          <a:p>
+            <a:pPr lvl="4"/>
+            <a:r>
+              <a:rPr lang="fr-FR" smtClean="0"/>
+              <a:t>Cinquième niveau</a:t>
+            </a:r>
+            <a:endParaRPr lang="en-US"/>
+          </a:p>
+        </p:txBody>
+      </p:sp>
+      <p:sp>
+        <p:nvSpPr>
+          <p:cNvPr id="6" name="Espace réservé du pied de page 5"/>
+          <p:cNvSpPr>
+            <a:spLocks noGrp="1"/>
+          </p:cNvSpPr>
+          <p:nvPr>
+            <p:ph type="ftr" sz="quarter" idx="4"/>
+          </p:nvPr>
+        </p:nvSpPr>
+        <p:spPr>
+          <a:xfrm>
+            <a:off x="0" y="8685213"/>
+            <a:ext cx="2971800" cy="457200"/>
+          </a:xfrm>
+          <a:prstGeom prst="rect">
+            <a:avLst/>
+          </a:prstGeom>
+        </p:spPr>
+        <p:txBody>
+          <a:bodyPr vert="horz" lIns="91440" tIns="45720" rIns="91440" bIns="45720" rtlCol="0" anchor="b"/>
+          <a:lstStyle>
+            <a:lvl1pPr algn="l">
+              <a:defRPr sz="1200"/>
+            </a:lvl1pPr>
+          </a:lstStyle>
+          <a:p>
+            <a:endParaRPr lang="en-US"/>
+          </a:p>
+        </p:txBody>
+      </p:sp>
+      <p:sp>
+        <p:nvSpPr>
+          <p:cNvPr id="7" name="Espace réservé du numéro de diapositive 6"/>
+          <p:cNvSpPr>
+            <a:spLocks noGrp="1"/>
+          </p:cNvSpPr>
+          <p:nvPr>
+            <p:ph type="sldNum" sz="quarter" idx="5"/>
+          </p:nvPr>
+        </p:nvSpPr>
+        <p:spPr>
+          <a:xfrm>
+            <a:off x="3884613" y="8685213"/>
+            <a:ext cx="2971800" cy="457200"/>
+          </a:xfrm>
+          <a:prstGeom prst="rect">
+            <a:avLst/>
+          </a:prstGeom>
+        </p:spPr>
+        <p:txBody>
+          <a:bodyPr vert="horz" lIns="91440" tIns="45720" rIns="91440" bIns="45720" rtlCol="0" anchor="b"/>
+          <a:lstStyle>
+            <a:lvl1pPr algn="r">
+              <a:defRPr sz="1200"/>
+            </a:lvl1pPr>
+          </a:lstStyle>
+          <a:p>
+            <a:fld id="{B4FE696A-DA9E-4985-AB7B-8E4E527A9189}" type="slidenum">
+              <a:rPr lang="en-US" smtClean="0"/>
+              <a:t>‹N°›</a:t>
+            </a:fld>
+            <a:endParaRPr lang="en-US"/>
+          </a:p>
+        </p:txBody>
+      </p:sp>
+    </p:spTree>
+    <p:extLst>
+      <p:ext uri="{BB962C8B-B14F-4D97-AF65-F5344CB8AC3E}">
+        <p14:creationId xmlns:p14="http://schemas.microsoft.com/office/powerpoint/2010/main" val="203657468"/>
+      </p:ext>
+    </p:extLst>
+  </p:cSld>
+  <p:clrMap bg1="lt1" tx1="dk1" bg2="lt2" tx2="dk2" accent1="accent1" accent2="accent2" accent3="accent3" accent4="accent4" accent5="accent5" accent6="accent6" hlink="hlink" folHlink="folHlink"/>
+  <p:notesStyle>
+    <a:lvl1pPr marL="0" algn="l" defTabSz="759043" rtl="0" eaLnBrk="1" latinLnBrk="0" hangingPunct="1">
+      <a:defRPr sz="1000" kern="1200">
+        <a:solidFill>
+          <a:schemeClr val="tx1"/>
+        </a:solidFill>
+        <a:latin typeface="+mn-lt"/>
+        <a:ea typeface="+mn-ea"/>
+        <a:cs typeface="+mn-cs"/>
+      </a:defRPr>
+    </a:lvl1pPr>
+    <a:lvl2pPr marL="379522" algn="l" defTabSz="759043" rtl="0" eaLnBrk="1" latinLnBrk="0" hangingPunct="1">
+      <a:defRPr sz="1000" kern="1200">
+        <a:solidFill>
+          <a:schemeClr val="tx1"/>
+        </a:solidFill>
+        <a:latin typeface="+mn-lt"/>
+        <a:ea typeface="+mn-ea"/>
+        <a:cs typeface="+mn-cs"/>
+      </a:defRPr>
+    </a:lvl2pPr>
+    <a:lvl3pPr marL="759043" algn="l" defTabSz="759043" rtl="0" eaLnBrk="1" latinLnBrk="0" hangingPunct="1">
+      <a:defRPr sz="1000" kern="1200">
+        <a:solidFill>
+          <a:schemeClr val="tx1"/>
+        </a:solidFill>
+        <a:latin typeface="+mn-lt"/>
+        <a:ea typeface="+mn-ea"/>
+        <a:cs typeface="+mn-cs"/>
+      </a:defRPr>
+    </a:lvl3pPr>
+    <a:lvl4pPr marL="1138565" algn="l" defTabSz="759043" rtl="0" eaLnBrk="1" latinLnBrk="0" hangingPunct="1">
+      <a:defRPr sz="1000" kern="1200">
+        <a:solidFill>
+          <a:schemeClr val="tx1"/>
+        </a:solidFill>
+        <a:latin typeface="+mn-lt"/>
+        <a:ea typeface="+mn-ea"/>
+        <a:cs typeface="+mn-cs"/>
+      </a:defRPr>
+    </a:lvl4pPr>
+    <a:lvl5pPr marL="1518087" algn="l" defTabSz="759043" rtl="0" eaLnBrk="1" latinLnBrk="0" hangingPunct="1">
+      <a:defRPr sz="1000" kern="1200">
+        <a:solidFill>
+          <a:schemeClr val="tx1"/>
+        </a:solidFill>
+        <a:latin typeface="+mn-lt"/>
+        <a:ea typeface="+mn-ea"/>
+        <a:cs typeface="+mn-cs"/>
+      </a:defRPr>
+    </a:lvl5pPr>
+    <a:lvl6pPr marL="1897609" algn="l" defTabSz="759043" rtl="0" eaLnBrk="1" latinLnBrk="0" hangingPunct="1">
+      <a:defRPr sz="1000" kern="1200">
+        <a:solidFill>
+          <a:schemeClr val="tx1"/>
+        </a:solidFill>
+        <a:latin typeface="+mn-lt"/>
+        <a:ea typeface="+mn-ea"/>
+        <a:cs typeface="+mn-cs"/>
+      </a:defRPr>
+    </a:lvl6pPr>
+    <a:lvl7pPr marL="2277130" algn="l" defTabSz="759043" rtl="0" eaLnBrk="1" latinLnBrk="0" hangingPunct="1">
+      <a:defRPr sz="1000" kern="1200">
+        <a:solidFill>
+          <a:schemeClr val="tx1"/>
+        </a:solidFill>
+        <a:latin typeface="+mn-lt"/>
+        <a:ea typeface="+mn-ea"/>
+        <a:cs typeface="+mn-cs"/>
+      </a:defRPr>
+    </a:lvl7pPr>
+    <a:lvl8pPr marL="2656652" algn="l" defTabSz="759043" rtl="0" eaLnBrk="1" latinLnBrk="0" hangingPunct="1">
+      <a:defRPr sz="1000" kern="1200">
+        <a:solidFill>
+          <a:schemeClr val="tx1"/>
+        </a:solidFill>
+        <a:latin typeface="+mn-lt"/>
+        <a:ea typeface="+mn-ea"/>
+        <a:cs typeface="+mn-cs"/>
+      </a:defRPr>
+    </a:lvl8pPr>
+    <a:lvl9pPr marL="3036174" algn="l" defTabSz="759043" rtl="0" eaLnBrk="1" latinLnBrk="0" hangingPunct="1">
+      <a:defRPr sz="1000" kern="1200">
+        <a:solidFill>
+          <a:schemeClr val="tx1"/>
+        </a:solidFill>
+        <a:latin typeface="+mn-lt"/>
+        <a:ea typeface="+mn-ea"/>
+        <a:cs typeface="+mn-cs"/>
+      </a:defRPr>
+    </a:lvl9pPr>
+  </p:notesStyle>
+</p:notesMaster>
+</file>
+
+<file path=ppt/notesSlides/notesSlide1.xml><?xml version="1.0" encoding="utf-8"?>
+<p:notes xmlns:a="http://schemas.openxmlformats.org/drawingml/2006/main" xmlns:r="http://schemas.openxmlformats.org/officeDocument/2006/relationships" xmlns:p="http://schemas.openxmlformats.org/presentationml/2006/main">
+  <p:cSld>
+    <p:spTree>
+      <p:nvGrpSpPr>
+        <p:cNvPr id="1" name=""/>
+        <p:cNvGrpSpPr/>
+        <p:nvPr/>
+      </p:nvGrpSpPr>
+      <p:grpSpPr>
+        <a:xfrm>
+          <a:off x="0" y="0"/>
+          <a:ext cx="0" cy="0"/>
+          <a:chOff x="0" y="0"/>
+          <a:chExt cx="0" cy="0"/>
+        </a:xfrm>
+      </p:grpSpPr>
+      <p:sp>
+        <p:nvSpPr>
+          <p:cNvPr id="2" name="Espace réservé de l'image des diapositives 1"/>
+          <p:cNvSpPr>
+            <a:spLocks noGrp="1" noRot="1" noChangeAspect="1"/>
+          </p:cNvSpPr>
+          <p:nvPr>
+            <p:ph type="sldImg"/>
+          </p:nvPr>
+        </p:nvSpPr>
+        <p:spPr>
+          <a:xfrm>
+            <a:off x="1587500" y="685800"/>
+            <a:ext cx="3683000" cy="3429000"/>
+          </a:xfrm>
+        </p:spPr>
+      </p:sp>
+      <p:sp>
+        <p:nvSpPr>
+          <p:cNvPr id="3" name="Espace réservé des commentaires 2"/>
+          <p:cNvSpPr>
+            <a:spLocks noGrp="1"/>
+          </p:cNvSpPr>
+          <p:nvPr>
+            <p:ph type="body" idx="1"/>
+          </p:nvPr>
+        </p:nvSpPr>
+        <p:spPr/>
+        <p:txBody>
+          <a:bodyPr/>
+          <a:lstStyle/>
+          <a:p>
+            <a:endParaRPr lang="en-US" dirty="0"/>
+          </a:p>
+        </p:txBody>
+      </p:sp>
+      <p:sp>
+        <p:nvSpPr>
+          <p:cNvPr id="4" name="Espace réservé du numéro de diapositive 3"/>
+          <p:cNvSpPr>
+            <a:spLocks noGrp="1"/>
+          </p:cNvSpPr>
+          <p:nvPr>
+            <p:ph type="sldNum" sz="quarter" idx="10"/>
+          </p:nvPr>
+        </p:nvSpPr>
+        <p:spPr/>
+        <p:txBody>
+          <a:bodyPr/>
+          <a:lstStyle/>
+          <a:p>
+            <a:fld id="{B4FE696A-DA9E-4985-AB7B-8E4E527A9189}" type="slidenum">
+              <a:rPr lang="en-US" smtClean="0"/>
+              <a:t>1</a:t>
+            </a:fld>
+            <a:endParaRPr lang="en-US"/>
+          </a:p>
+        </p:txBody>
+      </p:sp>
+    </p:spTree>
+    <p:extLst>
+      <p:ext uri="{BB962C8B-B14F-4D97-AF65-F5344CB8AC3E}">
+        <p14:creationId xmlns:p14="http://schemas.microsoft.com/office/powerpoint/2010/main" val="2344316731"/>
+      </p:ext>
+    </p:extLst>
+  </p:cSld>
+  <p:clrMapOvr>
+    <a:masterClrMapping/>
+  </p:clrMapOvr>
+</p:notes>
 </file>
 
 <file path=ppt/slideLayouts/slideLayout1.xml><?xml version="1.0" encoding="utf-8"?>
@@ -136,8 +578,8 @@
         </p:nvSpPr>
         <p:spPr>
           <a:xfrm>
-            <a:off x="621030" y="1230419"/>
-            <a:ext cx="7038340" cy="849008"/>
+            <a:off x="510303" y="1968673"/>
+            <a:ext cx="5783421" cy="1358411"/>
           </a:xfrm>
         </p:spPr>
         <p:txBody>
@@ -148,7 +590,7 @@
               <a:rPr lang="fr-FR" smtClean="0"/>
               <a:t>Modifiez le style du titre</a:t>
             </a:r>
-            <a:endParaRPr lang="fr-FR"/>
+            <a:endParaRPr lang="en-US"/>
           </a:p>
         </p:txBody>
       </p:sp>
@@ -164,8 +606,8 @@
         </p:nvSpPr>
         <p:spPr>
           <a:xfrm>
-            <a:off x="1242060" y="2244461"/>
-            <a:ext cx="5796280" cy="1012208"/>
+            <a:off x="1020604" y="3591137"/>
+            <a:ext cx="4762818" cy="1619533"/>
           </a:xfrm>
         </p:spPr>
         <p:txBody>
@@ -181,7 +623,7 @@
                 </a:solidFill>
               </a:defRPr>
             </a:lvl1pPr>
-            <a:lvl2pPr marL="360045" indent="0" algn="ctr">
+            <a:lvl2pPr marL="379522" indent="0" algn="ctr">
               <a:buNone/>
               <a:defRPr>
                 <a:solidFill>
@@ -191,7 +633,7 @@
                 </a:solidFill>
               </a:defRPr>
             </a:lvl2pPr>
-            <a:lvl3pPr marL="720090" indent="0" algn="ctr">
+            <a:lvl3pPr marL="759043" indent="0" algn="ctr">
               <a:buNone/>
               <a:defRPr>
                 <a:solidFill>
@@ -201,7 +643,7 @@
                 </a:solidFill>
               </a:defRPr>
             </a:lvl3pPr>
-            <a:lvl4pPr marL="1080135" indent="0" algn="ctr">
+            <a:lvl4pPr marL="1138565" indent="0" algn="ctr">
               <a:buNone/>
               <a:defRPr>
                 <a:solidFill>
@@ -211,7 +653,7 @@
                 </a:solidFill>
               </a:defRPr>
             </a:lvl4pPr>
-            <a:lvl5pPr marL="1440180" indent="0" algn="ctr">
+            <a:lvl5pPr marL="1518087" indent="0" algn="ctr">
               <a:buNone/>
               <a:defRPr>
                 <a:solidFill>
@@ -221,7 +663,7 @@
                 </a:solidFill>
               </a:defRPr>
             </a:lvl5pPr>
-            <a:lvl6pPr marL="1800225" indent="0" algn="ctr">
+            <a:lvl6pPr marL="1897609" indent="0" algn="ctr">
               <a:buNone/>
               <a:defRPr>
                 <a:solidFill>
@@ -231,7 +673,7 @@
                 </a:solidFill>
               </a:defRPr>
             </a:lvl6pPr>
-            <a:lvl7pPr marL="2160270" indent="0" algn="ctr">
+            <a:lvl7pPr marL="2277130" indent="0" algn="ctr">
               <a:buNone/>
               <a:defRPr>
                 <a:solidFill>
@@ -241,7 +683,7 @@
                 </a:solidFill>
               </a:defRPr>
             </a:lvl7pPr>
-            <a:lvl8pPr marL="2520315" indent="0" algn="ctr">
+            <a:lvl8pPr marL="2656652" indent="0" algn="ctr">
               <a:buNone/>
               <a:defRPr>
                 <a:solidFill>
@@ -251,7 +693,7 @@
                 </a:solidFill>
               </a:defRPr>
             </a:lvl8pPr>
-            <a:lvl9pPr marL="2880360" indent="0" algn="ctr">
+            <a:lvl9pPr marL="3036174" indent="0" algn="ctr">
               <a:buNone/>
               <a:defRPr>
                 <a:solidFill>
@@ -267,7 +709,7 @@
               <a:rPr lang="fr-FR" smtClean="0"/>
               <a:t>Modifiez le style des sous-titres du masque</a:t>
             </a:r>
-            <a:endParaRPr lang="fr-FR"/>
+            <a:endParaRPr lang="en-US"/>
           </a:p>
         </p:txBody>
       </p:sp>
@@ -286,11 +728,11 @@
           <a:bodyPr/>
           <a:lstStyle/>
           <a:p>
-            <a:fld id="{697D7EA4-11FB-486B-845E-853D7534C133}" type="datetimeFigureOut">
-              <a:rPr lang="fr-FR" smtClean="0"/>
-              <a:t>07/04/2017</a:t>
+            <a:fld id="{E8FDFF63-9793-40E2-8DBC-13016F069603}" type="datetimeFigureOut">
+              <a:rPr lang="en-US" smtClean="0"/>
+              <a:t>6/22/2017</a:t>
             </a:fld>
-            <a:endParaRPr lang="fr-FR"/>
+            <a:endParaRPr lang="en-US"/>
           </a:p>
         </p:txBody>
       </p:sp>
@@ -309,7 +751,7 @@
           <a:bodyPr/>
           <a:lstStyle/>
           <a:p>
-            <a:endParaRPr lang="fr-FR"/>
+            <a:endParaRPr lang="en-US"/>
           </a:p>
         </p:txBody>
       </p:sp>
@@ -328,18 +770,18 @@
           <a:bodyPr/>
           <a:lstStyle/>
           <a:p>
-            <a:fld id="{9D27901A-EFCD-44EB-89E9-E2F82BC03A2C}" type="slidenum">
-              <a:rPr lang="fr-FR" smtClean="0"/>
+            <a:fld id="{918781F0-7AA1-4B0D-8E17-235B1E5A9496}" type="slidenum">
+              <a:rPr lang="en-US" smtClean="0"/>
               <a:t>‹N°›</a:t>
             </a:fld>
-            <a:endParaRPr lang="fr-FR"/>
+            <a:endParaRPr lang="en-US"/>
           </a:p>
         </p:txBody>
       </p:sp>
     </p:spTree>
     <p:extLst>
       <p:ext uri="{BB962C8B-B14F-4D97-AF65-F5344CB8AC3E}">
-        <p14:creationId xmlns:p14="http://schemas.microsoft.com/office/powerpoint/2010/main" val="1682008203"/>
+        <p14:creationId xmlns:p14="http://schemas.microsoft.com/office/powerpoint/2010/main" val="2809891528"/>
       </p:ext>
     </p:extLst>
   </p:cSld>
@@ -385,7 +827,7 @@
               <a:rPr lang="fr-FR" smtClean="0"/>
               <a:t>Modifiez le style du titre</a:t>
             </a:r>
-            <a:endParaRPr lang="fr-FR"/>
+            <a:endParaRPr lang="en-US"/>
           </a:p>
         </p:txBody>
       </p:sp>
@@ -437,7 +879,7 @@
               <a:rPr lang="fr-FR" smtClean="0"/>
               <a:t>Cinquième niveau</a:t>
             </a:r>
-            <a:endParaRPr lang="fr-FR"/>
+            <a:endParaRPr lang="en-US"/>
           </a:p>
         </p:txBody>
       </p:sp>
@@ -456,11 +898,11 @@
           <a:bodyPr/>
           <a:lstStyle/>
           <a:p>
-            <a:fld id="{697D7EA4-11FB-486B-845E-853D7534C133}" type="datetimeFigureOut">
-              <a:rPr lang="fr-FR" smtClean="0"/>
-              <a:t>07/04/2017</a:t>
+            <a:fld id="{E8FDFF63-9793-40E2-8DBC-13016F069603}" type="datetimeFigureOut">
+              <a:rPr lang="en-US" smtClean="0"/>
+              <a:t>6/22/2017</a:t>
             </a:fld>
-            <a:endParaRPr lang="fr-FR"/>
+            <a:endParaRPr lang="en-US"/>
           </a:p>
         </p:txBody>
       </p:sp>
@@ -479,7 +921,7 @@
           <a:bodyPr/>
           <a:lstStyle/>
           <a:p>
-            <a:endParaRPr lang="fr-FR"/>
+            <a:endParaRPr lang="en-US"/>
           </a:p>
         </p:txBody>
       </p:sp>
@@ -498,18 +940,18 @@
           <a:bodyPr/>
           <a:lstStyle/>
           <a:p>
-            <a:fld id="{9D27901A-EFCD-44EB-89E9-E2F82BC03A2C}" type="slidenum">
-              <a:rPr lang="fr-FR" smtClean="0"/>
+            <a:fld id="{918781F0-7AA1-4B0D-8E17-235B1E5A9496}" type="slidenum">
+              <a:rPr lang="en-US" smtClean="0"/>
               <a:t>‹N°›</a:t>
             </a:fld>
-            <a:endParaRPr lang="fr-FR"/>
+            <a:endParaRPr lang="en-US"/>
           </a:p>
         </p:txBody>
       </p:sp>
     </p:spTree>
     <p:extLst>
       <p:ext uri="{BB962C8B-B14F-4D97-AF65-F5344CB8AC3E}">
-        <p14:creationId xmlns:p14="http://schemas.microsoft.com/office/powerpoint/2010/main" val="1033260904"/>
+        <p14:creationId xmlns:p14="http://schemas.microsoft.com/office/powerpoint/2010/main" val="1085708519"/>
       </p:ext>
     </p:extLst>
   </p:cSld>
@@ -548,8 +990,8 @@
         </p:nvSpPr>
         <p:spPr>
           <a:xfrm>
-            <a:off x="6003290" y="158617"/>
-            <a:ext cx="1863090" cy="3379527"/>
+            <a:off x="4932918" y="253786"/>
+            <a:ext cx="1530906" cy="5407244"/>
           </a:xfrm>
         </p:spPr>
         <p:txBody>
@@ -560,7 +1002,7 @@
               <a:rPr lang="fr-FR" smtClean="0"/>
               <a:t>Modifiez le style du titre</a:t>
             </a:r>
-            <a:endParaRPr lang="fr-FR"/>
+            <a:endParaRPr lang="en-US"/>
           </a:p>
         </p:txBody>
       </p:sp>
@@ -576,8 +1018,8 @@
         </p:nvSpPr>
         <p:spPr>
           <a:xfrm>
-            <a:off x="414020" y="158617"/>
-            <a:ext cx="5451263" cy="3379527"/>
+            <a:off x="340201" y="253786"/>
+            <a:ext cx="4479316" cy="5407244"/>
           </a:xfrm>
         </p:spPr>
         <p:txBody>
@@ -617,7 +1059,7 @@
               <a:rPr lang="fr-FR" smtClean="0"/>
               <a:t>Cinquième niveau</a:t>
             </a:r>
-            <a:endParaRPr lang="fr-FR"/>
+            <a:endParaRPr lang="en-US"/>
           </a:p>
         </p:txBody>
       </p:sp>
@@ -636,11 +1078,11 @@
           <a:bodyPr/>
           <a:lstStyle/>
           <a:p>
-            <a:fld id="{697D7EA4-11FB-486B-845E-853D7534C133}" type="datetimeFigureOut">
-              <a:rPr lang="fr-FR" smtClean="0"/>
-              <a:t>07/04/2017</a:t>
+            <a:fld id="{E8FDFF63-9793-40E2-8DBC-13016F069603}" type="datetimeFigureOut">
+              <a:rPr lang="en-US" smtClean="0"/>
+              <a:t>6/22/2017</a:t>
             </a:fld>
-            <a:endParaRPr lang="fr-FR"/>
+            <a:endParaRPr lang="en-US"/>
           </a:p>
         </p:txBody>
       </p:sp>
@@ -659,7 +1101,7 @@
           <a:bodyPr/>
           <a:lstStyle/>
           <a:p>
-            <a:endParaRPr lang="fr-FR"/>
+            <a:endParaRPr lang="en-US"/>
           </a:p>
         </p:txBody>
       </p:sp>
@@ -678,18 +1120,18 @@
           <a:bodyPr/>
           <a:lstStyle/>
           <a:p>
-            <a:fld id="{9D27901A-EFCD-44EB-89E9-E2F82BC03A2C}" type="slidenum">
-              <a:rPr lang="fr-FR" smtClean="0"/>
+            <a:fld id="{918781F0-7AA1-4B0D-8E17-235B1E5A9496}" type="slidenum">
+              <a:rPr lang="en-US" smtClean="0"/>
               <a:t>‹N°›</a:t>
             </a:fld>
-            <a:endParaRPr lang="fr-FR"/>
+            <a:endParaRPr lang="en-US"/>
           </a:p>
         </p:txBody>
       </p:sp>
     </p:spTree>
     <p:extLst>
       <p:ext uri="{BB962C8B-B14F-4D97-AF65-F5344CB8AC3E}">
-        <p14:creationId xmlns:p14="http://schemas.microsoft.com/office/powerpoint/2010/main" val="3802322304"/>
+        <p14:creationId xmlns:p14="http://schemas.microsoft.com/office/powerpoint/2010/main" val="821102418"/>
       </p:ext>
     </p:extLst>
   </p:cSld>
@@ -735,7 +1177,7 @@
               <a:rPr lang="fr-FR" smtClean="0"/>
               <a:t>Modifiez le style du titre</a:t>
             </a:r>
-            <a:endParaRPr lang="fr-FR"/>
+            <a:endParaRPr lang="en-US"/>
           </a:p>
         </p:txBody>
       </p:sp>
@@ -787,7 +1229,7 @@
               <a:rPr lang="fr-FR" smtClean="0"/>
               <a:t>Cinquième niveau</a:t>
             </a:r>
-            <a:endParaRPr lang="fr-FR"/>
+            <a:endParaRPr lang="en-US"/>
           </a:p>
         </p:txBody>
       </p:sp>
@@ -806,11 +1248,11 @@
           <a:bodyPr/>
           <a:lstStyle/>
           <a:p>
-            <a:fld id="{697D7EA4-11FB-486B-845E-853D7534C133}" type="datetimeFigureOut">
-              <a:rPr lang="fr-FR" smtClean="0"/>
-              <a:t>07/04/2017</a:t>
+            <a:fld id="{E8FDFF63-9793-40E2-8DBC-13016F069603}" type="datetimeFigureOut">
+              <a:rPr lang="en-US" smtClean="0"/>
+              <a:t>6/22/2017</a:t>
             </a:fld>
-            <a:endParaRPr lang="fr-FR"/>
+            <a:endParaRPr lang="en-US"/>
           </a:p>
         </p:txBody>
       </p:sp>
@@ -829,7 +1271,7 @@
           <a:bodyPr/>
           <a:lstStyle/>
           <a:p>
-            <a:endParaRPr lang="fr-FR"/>
+            <a:endParaRPr lang="en-US"/>
           </a:p>
         </p:txBody>
       </p:sp>
@@ -848,18 +1290,18 @@
           <a:bodyPr/>
           <a:lstStyle/>
           <a:p>
-            <a:fld id="{9D27901A-EFCD-44EB-89E9-E2F82BC03A2C}" type="slidenum">
-              <a:rPr lang="fr-FR" smtClean="0"/>
+            <a:fld id="{918781F0-7AA1-4B0D-8E17-235B1E5A9496}" type="slidenum">
+              <a:rPr lang="en-US" smtClean="0"/>
               <a:t>‹N°›</a:t>
             </a:fld>
-            <a:endParaRPr lang="fr-FR"/>
+            <a:endParaRPr lang="en-US"/>
           </a:p>
         </p:txBody>
       </p:sp>
     </p:spTree>
     <p:extLst>
       <p:ext uri="{BB962C8B-B14F-4D97-AF65-F5344CB8AC3E}">
-        <p14:creationId xmlns:p14="http://schemas.microsoft.com/office/powerpoint/2010/main" val="1362385033"/>
+        <p14:creationId xmlns:p14="http://schemas.microsoft.com/office/powerpoint/2010/main" val="2837272423"/>
       </p:ext>
     </p:extLst>
   </p:cSld>
@@ -898,15 +1340,15 @@
         </p:nvSpPr>
         <p:spPr>
           <a:xfrm>
-            <a:off x="654095" y="2545191"/>
-            <a:ext cx="7038340" cy="786661"/>
+            <a:off x="537472" y="4072304"/>
+            <a:ext cx="5783421" cy="1258659"/>
           </a:xfrm>
         </p:spPr>
         <p:txBody>
           <a:bodyPr anchor="t"/>
           <a:lstStyle>
             <a:lvl1pPr algn="l">
-              <a:defRPr sz="3200" b="1" cap="all"/>
+              <a:defRPr sz="3300" b="1" cap="all"/>
             </a:lvl1pPr>
           </a:lstStyle>
           <a:p>
@@ -914,7 +1356,7 @@
               <a:rPr lang="fr-FR" smtClean="0"/>
               <a:t>Modifiez le style du titre</a:t>
             </a:r>
-            <a:endParaRPr lang="fr-FR"/>
+            <a:endParaRPr lang="en-US"/>
           </a:p>
         </p:txBody>
       </p:sp>
@@ -930,8 +1372,8 @@
         </p:nvSpPr>
         <p:spPr>
           <a:xfrm>
-            <a:off x="654095" y="1678762"/>
-            <a:ext cx="7038340" cy="866428"/>
+            <a:off x="537472" y="2686019"/>
+            <a:ext cx="5783421" cy="1386284"/>
           </a:xfrm>
         </p:spPr>
         <p:txBody>
@@ -939,7 +1381,7 @@
           <a:lstStyle>
             <a:lvl1pPr marL="0" indent="0">
               <a:buNone/>
-              <a:defRPr sz="1600">
+              <a:defRPr sz="1700">
                 <a:solidFill>
                   <a:schemeClr val="tx1">
                     <a:tint val="75000"/>
@@ -947,9 +1389,9 @@
                 </a:solidFill>
               </a:defRPr>
             </a:lvl1pPr>
-            <a:lvl2pPr marL="360045" indent="0">
-              <a:buNone/>
-              <a:defRPr sz="1400">
+            <a:lvl2pPr marL="379522" indent="0">
+              <a:buNone/>
+              <a:defRPr sz="1500">
                 <a:solidFill>
                   <a:schemeClr val="tx1">
                     <a:tint val="75000"/>
@@ -957,7 +1399,7 @@
                 </a:solidFill>
               </a:defRPr>
             </a:lvl2pPr>
-            <a:lvl3pPr marL="720090" indent="0">
+            <a:lvl3pPr marL="759043" indent="0">
               <a:buNone/>
               <a:defRPr sz="1300">
                 <a:solidFill>
@@ -967,9 +1409,9 @@
                 </a:solidFill>
               </a:defRPr>
             </a:lvl3pPr>
-            <a:lvl4pPr marL="1080135" indent="0">
-              <a:buNone/>
-              <a:defRPr sz="1100">
+            <a:lvl4pPr marL="1138565" indent="0">
+              <a:buNone/>
+              <a:defRPr sz="1200">
                 <a:solidFill>
                   <a:schemeClr val="tx1">
                     <a:tint val="75000"/>
@@ -977,9 +1419,9 @@
                 </a:solidFill>
               </a:defRPr>
             </a:lvl4pPr>
-            <a:lvl5pPr marL="1440180" indent="0">
-              <a:buNone/>
-              <a:defRPr sz="1100">
+            <a:lvl5pPr marL="1518087" indent="0">
+              <a:buNone/>
+              <a:defRPr sz="1200">
                 <a:solidFill>
                   <a:schemeClr val="tx1">
                     <a:tint val="75000"/>
@@ -987,9 +1429,9 @@
                 </a:solidFill>
               </a:defRPr>
             </a:lvl5pPr>
-            <a:lvl6pPr marL="1800225" indent="0">
-              <a:buNone/>
-              <a:defRPr sz="1100">
+            <a:lvl6pPr marL="1897609" indent="0">
+              <a:buNone/>
+              <a:defRPr sz="1200">
                 <a:solidFill>
                   <a:schemeClr val="tx1">
                     <a:tint val="75000"/>
@@ -997,9 +1439,9 @@
                 </a:solidFill>
               </a:defRPr>
             </a:lvl6pPr>
-            <a:lvl7pPr marL="2160270" indent="0">
-              <a:buNone/>
-              <a:defRPr sz="1100">
+            <a:lvl7pPr marL="2277130" indent="0">
+              <a:buNone/>
+              <a:defRPr sz="1200">
                 <a:solidFill>
                   <a:schemeClr val="tx1">
                     <a:tint val="75000"/>
@@ -1007,9 +1449,9 @@
                 </a:solidFill>
               </a:defRPr>
             </a:lvl7pPr>
-            <a:lvl8pPr marL="2520315" indent="0">
-              <a:buNone/>
-              <a:defRPr sz="1100">
+            <a:lvl8pPr marL="2656652" indent="0">
+              <a:buNone/>
+              <a:defRPr sz="1200">
                 <a:solidFill>
                   <a:schemeClr val="tx1">
                     <a:tint val="75000"/>
@@ -1017,9 +1459,9 @@
                 </a:solidFill>
               </a:defRPr>
             </a:lvl8pPr>
-            <a:lvl9pPr marL="2880360" indent="0">
-              <a:buNone/>
-              <a:defRPr sz="1100">
+            <a:lvl9pPr marL="3036174" indent="0">
+              <a:buNone/>
+              <a:defRPr sz="1200">
                 <a:solidFill>
                   <a:schemeClr val="tx1">
                     <a:tint val="75000"/>
@@ -1052,11 +1494,11 @@
           <a:bodyPr/>
           <a:lstStyle/>
           <a:p>
-            <a:fld id="{697D7EA4-11FB-486B-845E-853D7534C133}" type="datetimeFigureOut">
-              <a:rPr lang="fr-FR" smtClean="0"/>
-              <a:t>07/04/2017</a:t>
+            <a:fld id="{E8FDFF63-9793-40E2-8DBC-13016F069603}" type="datetimeFigureOut">
+              <a:rPr lang="en-US" smtClean="0"/>
+              <a:t>6/22/2017</a:t>
             </a:fld>
-            <a:endParaRPr lang="fr-FR"/>
+            <a:endParaRPr lang="en-US"/>
           </a:p>
         </p:txBody>
       </p:sp>
@@ -1075,7 +1517,7 @@
           <a:bodyPr/>
           <a:lstStyle/>
           <a:p>
-            <a:endParaRPr lang="fr-FR"/>
+            <a:endParaRPr lang="en-US"/>
           </a:p>
         </p:txBody>
       </p:sp>
@@ -1094,18 +1536,18 @@
           <a:bodyPr/>
           <a:lstStyle/>
           <a:p>
-            <a:fld id="{9D27901A-EFCD-44EB-89E9-E2F82BC03A2C}" type="slidenum">
-              <a:rPr lang="fr-FR" smtClean="0"/>
+            <a:fld id="{918781F0-7AA1-4B0D-8E17-235B1E5A9496}" type="slidenum">
+              <a:rPr lang="en-US" smtClean="0"/>
               <a:t>‹N°›</a:t>
             </a:fld>
-            <a:endParaRPr lang="fr-FR"/>
+            <a:endParaRPr lang="en-US"/>
           </a:p>
         </p:txBody>
       </p:sp>
     </p:spTree>
     <p:extLst>
       <p:ext uri="{BB962C8B-B14F-4D97-AF65-F5344CB8AC3E}">
-        <p14:creationId xmlns:p14="http://schemas.microsoft.com/office/powerpoint/2010/main" val="2388084218"/>
+        <p14:creationId xmlns:p14="http://schemas.microsoft.com/office/powerpoint/2010/main" val="1641937399"/>
       </p:ext>
     </p:extLst>
   </p:cSld>
@@ -1151,7 +1593,7 @@
               <a:rPr lang="fr-FR" smtClean="0"/>
               <a:t>Modifiez le style du titre</a:t>
             </a:r>
-            <a:endParaRPr lang="fr-FR"/>
+            <a:endParaRPr lang="en-US"/>
           </a:p>
         </p:txBody>
       </p:sp>
@@ -1167,39 +1609,39 @@
         </p:nvSpPr>
         <p:spPr>
           <a:xfrm>
-            <a:off x="414020" y="924191"/>
-            <a:ext cx="3657177" cy="2613953"/>
+            <a:off x="340203" y="1478705"/>
+            <a:ext cx="3005111" cy="4182325"/>
           </a:xfrm>
         </p:spPr>
         <p:txBody>
           <a:bodyPr/>
           <a:lstStyle>
             <a:lvl1pPr>
-              <a:defRPr sz="2200"/>
+              <a:defRPr sz="2300"/>
             </a:lvl1pPr>
             <a:lvl2pPr>
-              <a:defRPr sz="1900"/>
+              <a:defRPr sz="2000"/>
             </a:lvl2pPr>
             <a:lvl3pPr>
-              <a:defRPr sz="1600"/>
+              <a:defRPr sz="1700"/>
             </a:lvl3pPr>
             <a:lvl4pPr>
-              <a:defRPr sz="1400"/>
+              <a:defRPr sz="1500"/>
             </a:lvl4pPr>
             <a:lvl5pPr>
-              <a:defRPr sz="1400"/>
+              <a:defRPr sz="1500"/>
             </a:lvl5pPr>
             <a:lvl6pPr>
-              <a:defRPr sz="1400"/>
+              <a:defRPr sz="1500"/>
             </a:lvl6pPr>
             <a:lvl7pPr>
-              <a:defRPr sz="1400"/>
+              <a:defRPr sz="1500"/>
             </a:lvl7pPr>
             <a:lvl8pPr>
-              <a:defRPr sz="1400"/>
+              <a:defRPr sz="1500"/>
             </a:lvl8pPr>
             <a:lvl9pPr>
-              <a:defRPr sz="1400"/>
+              <a:defRPr sz="1500"/>
             </a:lvl9pPr>
           </a:lstStyle>
           <a:p>
@@ -1236,7 +1678,7 @@
               <a:rPr lang="fr-FR" smtClean="0"/>
               <a:t>Cinquième niveau</a:t>
             </a:r>
-            <a:endParaRPr lang="fr-FR"/>
+            <a:endParaRPr lang="en-US"/>
           </a:p>
         </p:txBody>
       </p:sp>
@@ -1252,39 +1694,39 @@
         </p:nvSpPr>
         <p:spPr>
           <a:xfrm>
-            <a:off x="4209204" y="924191"/>
-            <a:ext cx="3657177" cy="2613953"/>
+            <a:off x="3458715" y="1478705"/>
+            <a:ext cx="3005111" cy="4182325"/>
           </a:xfrm>
         </p:spPr>
         <p:txBody>
           <a:bodyPr/>
           <a:lstStyle>
             <a:lvl1pPr>
-              <a:defRPr sz="2200"/>
+              <a:defRPr sz="2300"/>
             </a:lvl1pPr>
             <a:lvl2pPr>
-              <a:defRPr sz="1900"/>
+              <a:defRPr sz="2000"/>
             </a:lvl2pPr>
             <a:lvl3pPr>
-              <a:defRPr sz="1600"/>
+              <a:defRPr sz="1700"/>
             </a:lvl3pPr>
             <a:lvl4pPr>
-              <a:defRPr sz="1400"/>
+              <a:defRPr sz="1500"/>
             </a:lvl4pPr>
             <a:lvl5pPr>
-              <a:defRPr sz="1400"/>
+              <a:defRPr sz="1500"/>
             </a:lvl5pPr>
             <a:lvl6pPr>
-              <a:defRPr sz="1400"/>
+              <a:defRPr sz="1500"/>
             </a:lvl6pPr>
             <a:lvl7pPr>
-              <a:defRPr sz="1400"/>
+              <a:defRPr sz="1500"/>
             </a:lvl7pPr>
             <a:lvl8pPr>
-              <a:defRPr sz="1400"/>
+              <a:defRPr sz="1500"/>
             </a:lvl8pPr>
             <a:lvl9pPr>
-              <a:defRPr sz="1400"/>
+              <a:defRPr sz="1500"/>
             </a:lvl9pPr>
           </a:lstStyle>
           <a:p>
@@ -1321,7 +1763,7 @@
               <a:rPr lang="fr-FR" smtClean="0"/>
               <a:t>Cinquième niveau</a:t>
             </a:r>
-            <a:endParaRPr lang="fr-FR"/>
+            <a:endParaRPr lang="en-US"/>
           </a:p>
         </p:txBody>
       </p:sp>
@@ -1340,11 +1782,11 @@
           <a:bodyPr/>
           <a:lstStyle/>
           <a:p>
-            <a:fld id="{697D7EA4-11FB-486B-845E-853D7534C133}" type="datetimeFigureOut">
-              <a:rPr lang="fr-FR" smtClean="0"/>
-              <a:t>07/04/2017</a:t>
+            <a:fld id="{E8FDFF63-9793-40E2-8DBC-13016F069603}" type="datetimeFigureOut">
+              <a:rPr lang="en-US" smtClean="0"/>
+              <a:t>6/22/2017</a:t>
             </a:fld>
-            <a:endParaRPr lang="fr-FR"/>
+            <a:endParaRPr lang="en-US"/>
           </a:p>
         </p:txBody>
       </p:sp>
@@ -1363,7 +1805,7 @@
           <a:bodyPr/>
           <a:lstStyle/>
           <a:p>
-            <a:endParaRPr lang="fr-FR"/>
+            <a:endParaRPr lang="en-US"/>
           </a:p>
         </p:txBody>
       </p:sp>
@@ -1382,18 +1824,18 @@
           <a:bodyPr/>
           <a:lstStyle/>
           <a:p>
-            <a:fld id="{9D27901A-EFCD-44EB-89E9-E2F82BC03A2C}" type="slidenum">
-              <a:rPr lang="fr-FR" smtClean="0"/>
+            <a:fld id="{918781F0-7AA1-4B0D-8E17-235B1E5A9496}" type="slidenum">
+              <a:rPr lang="en-US" smtClean="0"/>
               <a:t>‹N°›</a:t>
             </a:fld>
-            <a:endParaRPr lang="fr-FR"/>
+            <a:endParaRPr lang="en-US"/>
           </a:p>
         </p:txBody>
       </p:sp>
     </p:spTree>
     <p:extLst>
       <p:ext uri="{BB962C8B-B14F-4D97-AF65-F5344CB8AC3E}">
-        <p14:creationId xmlns:p14="http://schemas.microsoft.com/office/powerpoint/2010/main" val="1608312538"/>
+        <p14:creationId xmlns:p14="http://schemas.microsoft.com/office/powerpoint/2010/main" val="3545724919"/>
       </p:ext>
     </p:extLst>
   </p:cSld>
@@ -1443,7 +1885,7 @@
               <a:rPr lang="fr-FR" smtClean="0"/>
               <a:t>Modifiez le style du titre</a:t>
             </a:r>
-            <a:endParaRPr lang="fr-FR"/>
+            <a:endParaRPr lang="en-US"/>
           </a:p>
         </p:txBody>
       </p:sp>
@@ -1459,8 +1901,8 @@
         </p:nvSpPr>
         <p:spPr>
           <a:xfrm>
-            <a:off x="414020" y="886599"/>
-            <a:ext cx="3658615" cy="369492"/>
+            <a:off x="340204" y="1418558"/>
+            <a:ext cx="3006293" cy="591188"/>
           </a:xfrm>
         </p:spPr>
         <p:txBody>
@@ -1468,37 +1910,37 @@
           <a:lstStyle>
             <a:lvl1pPr marL="0" indent="0">
               <a:buNone/>
-              <a:defRPr sz="1900" b="1"/>
+              <a:defRPr sz="2000" b="1"/>
             </a:lvl1pPr>
-            <a:lvl2pPr marL="360045" indent="0">
-              <a:buNone/>
-              <a:defRPr sz="1600" b="1"/>
+            <a:lvl2pPr marL="379522" indent="0">
+              <a:buNone/>
+              <a:defRPr sz="1700" b="1"/>
             </a:lvl2pPr>
-            <a:lvl3pPr marL="720090" indent="0">
-              <a:buNone/>
-              <a:defRPr sz="1400" b="1"/>
+            <a:lvl3pPr marL="759043" indent="0">
+              <a:buNone/>
+              <a:defRPr sz="1500" b="1"/>
             </a:lvl3pPr>
-            <a:lvl4pPr marL="1080135" indent="0">
+            <a:lvl4pPr marL="1138565" indent="0">
               <a:buNone/>
               <a:defRPr sz="1300" b="1"/>
             </a:lvl4pPr>
-            <a:lvl5pPr marL="1440180" indent="0">
+            <a:lvl5pPr marL="1518087" indent="0">
               <a:buNone/>
               <a:defRPr sz="1300" b="1"/>
             </a:lvl5pPr>
-            <a:lvl6pPr marL="1800225" indent="0">
+            <a:lvl6pPr marL="1897609" indent="0">
               <a:buNone/>
               <a:defRPr sz="1300" b="1"/>
             </a:lvl6pPr>
-            <a:lvl7pPr marL="2160270" indent="0">
+            <a:lvl7pPr marL="2277130" indent="0">
               <a:buNone/>
               <a:defRPr sz="1300" b="1"/>
             </a:lvl7pPr>
-            <a:lvl8pPr marL="2520315" indent="0">
+            <a:lvl8pPr marL="2656652" indent="0">
               <a:buNone/>
               <a:defRPr sz="1300" b="1"/>
             </a:lvl8pPr>
-            <a:lvl9pPr marL="2880360" indent="0">
+            <a:lvl9pPr marL="3036174" indent="0">
               <a:buNone/>
               <a:defRPr sz="1300" b="1"/>
             </a:lvl9pPr>
@@ -1524,21 +1966,21 @@
         </p:nvSpPr>
         <p:spPr>
           <a:xfrm>
-            <a:off x="414020" y="1256091"/>
-            <a:ext cx="3658615" cy="2282052"/>
+            <a:off x="340204" y="2009745"/>
+            <a:ext cx="3006293" cy="3651283"/>
           </a:xfrm>
         </p:spPr>
         <p:txBody>
           <a:bodyPr/>
           <a:lstStyle>
             <a:lvl1pPr>
-              <a:defRPr sz="1900"/>
+              <a:defRPr sz="2000"/>
             </a:lvl1pPr>
             <a:lvl2pPr>
-              <a:defRPr sz="1600"/>
+              <a:defRPr sz="1700"/>
             </a:lvl2pPr>
             <a:lvl3pPr>
-              <a:defRPr sz="1400"/>
+              <a:defRPr sz="1500"/>
             </a:lvl3pPr>
             <a:lvl4pPr>
               <a:defRPr sz="1300"/>
@@ -1593,7 +2035,7 @@
               <a:rPr lang="fr-FR" smtClean="0"/>
               <a:t>Cinquième niveau</a:t>
             </a:r>
-            <a:endParaRPr lang="fr-FR"/>
+            <a:endParaRPr lang="en-US"/>
           </a:p>
         </p:txBody>
       </p:sp>
@@ -1609,8 +2051,8 @@
         </p:nvSpPr>
         <p:spPr>
           <a:xfrm>
-            <a:off x="4206329" y="886599"/>
-            <a:ext cx="3660052" cy="369492"/>
+            <a:off x="3456354" y="1418558"/>
+            <a:ext cx="3007473" cy="591188"/>
           </a:xfrm>
         </p:spPr>
         <p:txBody>
@@ -1618,37 +2060,37 @@
           <a:lstStyle>
             <a:lvl1pPr marL="0" indent="0">
               <a:buNone/>
-              <a:defRPr sz="1900" b="1"/>
+              <a:defRPr sz="2000" b="1"/>
             </a:lvl1pPr>
-            <a:lvl2pPr marL="360045" indent="0">
-              <a:buNone/>
-              <a:defRPr sz="1600" b="1"/>
+            <a:lvl2pPr marL="379522" indent="0">
+              <a:buNone/>
+              <a:defRPr sz="1700" b="1"/>
             </a:lvl2pPr>
-            <a:lvl3pPr marL="720090" indent="0">
-              <a:buNone/>
-              <a:defRPr sz="1400" b="1"/>
+            <a:lvl3pPr marL="759043" indent="0">
+              <a:buNone/>
+              <a:defRPr sz="1500" b="1"/>
             </a:lvl3pPr>
-            <a:lvl4pPr marL="1080135" indent="0">
+            <a:lvl4pPr marL="1138565" indent="0">
               <a:buNone/>
               <a:defRPr sz="1300" b="1"/>
             </a:lvl4pPr>
-            <a:lvl5pPr marL="1440180" indent="0">
+            <a:lvl5pPr marL="1518087" indent="0">
               <a:buNone/>
               <a:defRPr sz="1300" b="1"/>
             </a:lvl5pPr>
-            <a:lvl6pPr marL="1800225" indent="0">
+            <a:lvl6pPr marL="1897609" indent="0">
               <a:buNone/>
               <a:defRPr sz="1300" b="1"/>
             </a:lvl6pPr>
-            <a:lvl7pPr marL="2160270" indent="0">
+            <a:lvl7pPr marL="2277130" indent="0">
               <a:buNone/>
               <a:defRPr sz="1300" b="1"/>
             </a:lvl7pPr>
-            <a:lvl8pPr marL="2520315" indent="0">
+            <a:lvl8pPr marL="2656652" indent="0">
               <a:buNone/>
               <a:defRPr sz="1300" b="1"/>
             </a:lvl8pPr>
-            <a:lvl9pPr marL="2880360" indent="0">
+            <a:lvl9pPr marL="3036174" indent="0">
               <a:buNone/>
               <a:defRPr sz="1300" b="1"/>
             </a:lvl9pPr>
@@ -1674,21 +2116,21 @@
         </p:nvSpPr>
         <p:spPr>
           <a:xfrm>
-            <a:off x="4206329" y="1256091"/>
-            <a:ext cx="3660052" cy="2282052"/>
+            <a:off x="3456354" y="2009745"/>
+            <a:ext cx="3007473" cy="3651283"/>
           </a:xfrm>
         </p:spPr>
         <p:txBody>
           <a:bodyPr/>
           <a:lstStyle>
             <a:lvl1pPr>
-              <a:defRPr sz="1900"/>
+              <a:defRPr sz="2000"/>
             </a:lvl1pPr>
             <a:lvl2pPr>
-              <a:defRPr sz="1600"/>
+              <a:defRPr sz="1700"/>
             </a:lvl2pPr>
             <a:lvl3pPr>
-              <a:defRPr sz="1400"/>
+              <a:defRPr sz="1500"/>
             </a:lvl3pPr>
             <a:lvl4pPr>
               <a:defRPr sz="1300"/>
@@ -1743,7 +2185,7 @@
               <a:rPr lang="fr-FR" smtClean="0"/>
               <a:t>Cinquième niveau</a:t>
             </a:r>
-            <a:endParaRPr lang="fr-FR"/>
+            <a:endParaRPr lang="en-US"/>
           </a:p>
         </p:txBody>
       </p:sp>
@@ -1762,11 +2204,11 @@
           <a:bodyPr/>
           <a:lstStyle/>
           <a:p>
-            <a:fld id="{697D7EA4-11FB-486B-845E-853D7534C133}" type="datetimeFigureOut">
-              <a:rPr lang="fr-FR" smtClean="0"/>
-              <a:t>07/04/2017</a:t>
+            <a:fld id="{E8FDFF63-9793-40E2-8DBC-13016F069603}" type="datetimeFigureOut">
+              <a:rPr lang="en-US" smtClean="0"/>
+              <a:t>6/22/2017</a:t>
             </a:fld>
-            <a:endParaRPr lang="fr-FR"/>
+            <a:endParaRPr lang="en-US"/>
           </a:p>
         </p:txBody>
       </p:sp>
@@ -1785,7 +2227,7 @@
           <a:bodyPr/>
           <a:lstStyle/>
           <a:p>
-            <a:endParaRPr lang="fr-FR"/>
+            <a:endParaRPr lang="en-US"/>
           </a:p>
         </p:txBody>
       </p:sp>
@@ -1804,18 +2246,18 @@
           <a:bodyPr/>
           <a:lstStyle/>
           <a:p>
-            <a:fld id="{9D27901A-EFCD-44EB-89E9-E2F82BC03A2C}" type="slidenum">
-              <a:rPr lang="fr-FR" smtClean="0"/>
+            <a:fld id="{918781F0-7AA1-4B0D-8E17-235B1E5A9496}" type="slidenum">
+              <a:rPr lang="en-US" smtClean="0"/>
               <a:t>‹N°›</a:t>
             </a:fld>
-            <a:endParaRPr lang="fr-FR"/>
+            <a:endParaRPr lang="en-US"/>
           </a:p>
         </p:txBody>
       </p:sp>
     </p:spTree>
     <p:extLst>
       <p:ext uri="{BB962C8B-B14F-4D97-AF65-F5344CB8AC3E}">
-        <p14:creationId xmlns:p14="http://schemas.microsoft.com/office/powerpoint/2010/main" val="4290836345"/>
+        <p14:creationId xmlns:p14="http://schemas.microsoft.com/office/powerpoint/2010/main" val="879205721"/>
       </p:ext>
     </p:extLst>
   </p:cSld>
@@ -1861,7 +2303,7 @@
               <a:rPr lang="fr-FR" smtClean="0"/>
               <a:t>Modifiez le style du titre</a:t>
             </a:r>
-            <a:endParaRPr lang="fr-FR"/>
+            <a:endParaRPr lang="en-US"/>
           </a:p>
         </p:txBody>
       </p:sp>
@@ -1880,11 +2322,11 @@
           <a:bodyPr/>
           <a:lstStyle/>
           <a:p>
-            <a:fld id="{697D7EA4-11FB-486B-845E-853D7534C133}" type="datetimeFigureOut">
-              <a:rPr lang="fr-FR" smtClean="0"/>
-              <a:t>07/04/2017</a:t>
+            <a:fld id="{E8FDFF63-9793-40E2-8DBC-13016F069603}" type="datetimeFigureOut">
+              <a:rPr lang="en-US" smtClean="0"/>
+              <a:t>6/22/2017</a:t>
             </a:fld>
-            <a:endParaRPr lang="fr-FR"/>
+            <a:endParaRPr lang="en-US"/>
           </a:p>
         </p:txBody>
       </p:sp>
@@ -1903,7 +2345,7 @@
           <a:bodyPr/>
           <a:lstStyle/>
           <a:p>
-            <a:endParaRPr lang="fr-FR"/>
+            <a:endParaRPr lang="en-US"/>
           </a:p>
         </p:txBody>
       </p:sp>
@@ -1922,18 +2364,18 @@
           <a:bodyPr/>
           <a:lstStyle/>
           <a:p>
-            <a:fld id="{9D27901A-EFCD-44EB-89E9-E2F82BC03A2C}" type="slidenum">
-              <a:rPr lang="fr-FR" smtClean="0"/>
+            <a:fld id="{918781F0-7AA1-4B0D-8E17-235B1E5A9496}" type="slidenum">
+              <a:rPr lang="en-US" smtClean="0"/>
               <a:t>‹N°›</a:t>
             </a:fld>
-            <a:endParaRPr lang="fr-FR"/>
+            <a:endParaRPr lang="en-US"/>
           </a:p>
         </p:txBody>
       </p:sp>
     </p:spTree>
     <p:extLst>
       <p:ext uri="{BB962C8B-B14F-4D97-AF65-F5344CB8AC3E}">
-        <p14:creationId xmlns:p14="http://schemas.microsoft.com/office/powerpoint/2010/main" val="3096690581"/>
+        <p14:creationId xmlns:p14="http://schemas.microsoft.com/office/powerpoint/2010/main" val="2233832320"/>
       </p:ext>
     </p:extLst>
   </p:cSld>
@@ -1975,11 +2417,11 @@
           <a:bodyPr/>
           <a:lstStyle/>
           <a:p>
-            <a:fld id="{697D7EA4-11FB-486B-845E-853D7534C133}" type="datetimeFigureOut">
-              <a:rPr lang="fr-FR" smtClean="0"/>
-              <a:t>07/04/2017</a:t>
+            <a:fld id="{E8FDFF63-9793-40E2-8DBC-13016F069603}" type="datetimeFigureOut">
+              <a:rPr lang="en-US" smtClean="0"/>
+              <a:t>6/22/2017</a:t>
             </a:fld>
-            <a:endParaRPr lang="fr-FR"/>
+            <a:endParaRPr lang="en-US"/>
           </a:p>
         </p:txBody>
       </p:sp>
@@ -1998,7 +2440,7 @@
           <a:bodyPr/>
           <a:lstStyle/>
           <a:p>
-            <a:endParaRPr lang="fr-FR"/>
+            <a:endParaRPr lang="en-US"/>
           </a:p>
         </p:txBody>
       </p:sp>
@@ -2017,18 +2459,18 @@
           <a:bodyPr/>
           <a:lstStyle/>
           <a:p>
-            <a:fld id="{9D27901A-EFCD-44EB-89E9-E2F82BC03A2C}" type="slidenum">
-              <a:rPr lang="fr-FR" smtClean="0"/>
+            <a:fld id="{918781F0-7AA1-4B0D-8E17-235B1E5A9496}" type="slidenum">
+              <a:rPr lang="en-US" smtClean="0"/>
               <a:t>‹N°›</a:t>
             </a:fld>
-            <a:endParaRPr lang="fr-FR"/>
+            <a:endParaRPr lang="en-US"/>
           </a:p>
         </p:txBody>
       </p:sp>
     </p:spTree>
     <p:extLst>
       <p:ext uri="{BB962C8B-B14F-4D97-AF65-F5344CB8AC3E}">
-        <p14:creationId xmlns:p14="http://schemas.microsoft.com/office/powerpoint/2010/main" val="3011325931"/>
+        <p14:creationId xmlns:p14="http://schemas.microsoft.com/office/powerpoint/2010/main" val="3891637003"/>
       </p:ext>
     </p:extLst>
   </p:cSld>
@@ -2067,15 +2509,15 @@
         </p:nvSpPr>
         <p:spPr>
           <a:xfrm>
-            <a:off x="414021" y="157699"/>
-            <a:ext cx="2724194" cy="671138"/>
+            <a:off x="340203" y="252319"/>
+            <a:ext cx="2238478" cy="1073821"/>
           </a:xfrm>
         </p:spPr>
         <p:txBody>
           <a:bodyPr anchor="b"/>
           <a:lstStyle>
             <a:lvl1pPr algn="l">
-              <a:defRPr sz="1600" b="1"/>
+              <a:defRPr sz="1700" b="1"/>
             </a:lvl1pPr>
           </a:lstStyle>
           <a:p>
@@ -2083,7 +2525,7 @@
               <a:rPr lang="fr-FR" smtClean="0"/>
               <a:t>Modifiez le style du titre</a:t>
             </a:r>
-            <a:endParaRPr lang="fr-FR"/>
+            <a:endParaRPr lang="en-US"/>
           </a:p>
         </p:txBody>
       </p:sp>
@@ -2099,39 +2541,39 @@
         </p:nvSpPr>
         <p:spPr>
           <a:xfrm>
-            <a:off x="3237407" y="157699"/>
-            <a:ext cx="4628974" cy="3380444"/>
+            <a:off x="2660188" y="252320"/>
+            <a:ext cx="3803639" cy="5408710"/>
           </a:xfrm>
         </p:spPr>
         <p:txBody>
           <a:bodyPr/>
           <a:lstStyle>
             <a:lvl1pPr>
-              <a:defRPr sz="2500"/>
+              <a:defRPr sz="2700"/>
             </a:lvl1pPr>
             <a:lvl2pPr>
-              <a:defRPr sz="2200"/>
+              <a:defRPr sz="2300"/>
             </a:lvl2pPr>
             <a:lvl3pPr>
-              <a:defRPr sz="1900"/>
+              <a:defRPr sz="2000"/>
             </a:lvl3pPr>
             <a:lvl4pPr>
-              <a:defRPr sz="1600"/>
+              <a:defRPr sz="1700"/>
             </a:lvl4pPr>
             <a:lvl5pPr>
-              <a:defRPr sz="1600"/>
+              <a:defRPr sz="1700"/>
             </a:lvl5pPr>
             <a:lvl6pPr>
-              <a:defRPr sz="1600"/>
+              <a:defRPr sz="1700"/>
             </a:lvl6pPr>
             <a:lvl7pPr>
-              <a:defRPr sz="1600"/>
+              <a:defRPr sz="1700"/>
             </a:lvl7pPr>
             <a:lvl8pPr>
-              <a:defRPr sz="1600"/>
+              <a:defRPr sz="1700"/>
             </a:lvl8pPr>
             <a:lvl9pPr>
-              <a:defRPr sz="1600"/>
+              <a:defRPr sz="1700"/>
             </a:lvl9pPr>
           </a:lstStyle>
           <a:p>
@@ -2168,7 +2610,7 @@
               <a:rPr lang="fr-FR" smtClean="0"/>
               <a:t>Cinquième niveau</a:t>
             </a:r>
-            <a:endParaRPr lang="fr-FR"/>
+            <a:endParaRPr lang="en-US"/>
           </a:p>
         </p:txBody>
       </p:sp>
@@ -2184,8 +2626,8 @@
         </p:nvSpPr>
         <p:spPr>
           <a:xfrm>
-            <a:off x="414021" y="828837"/>
-            <a:ext cx="2724194" cy="2709306"/>
+            <a:off x="340203" y="1326140"/>
+            <a:ext cx="2238478" cy="4334889"/>
           </a:xfrm>
         </p:spPr>
         <p:txBody>
@@ -2193,37 +2635,37 @@
           <a:lstStyle>
             <a:lvl1pPr marL="0" indent="0">
               <a:buNone/>
-              <a:defRPr sz="1100"/>
+              <a:defRPr sz="1200"/>
             </a:lvl1pPr>
-            <a:lvl2pPr marL="360045" indent="0">
-              <a:buNone/>
-              <a:defRPr sz="900"/>
+            <a:lvl2pPr marL="379522" indent="0">
+              <a:buNone/>
+              <a:defRPr sz="1000"/>
             </a:lvl2pPr>
-            <a:lvl3pPr marL="720090" indent="0">
+            <a:lvl3pPr marL="759043" indent="0">
               <a:buNone/>
               <a:defRPr sz="800"/>
             </a:lvl3pPr>
-            <a:lvl4pPr marL="1080135" indent="0">
+            <a:lvl4pPr marL="1138565" indent="0">
               <a:buNone/>
               <a:defRPr sz="700"/>
             </a:lvl4pPr>
-            <a:lvl5pPr marL="1440180" indent="0">
+            <a:lvl5pPr marL="1518087" indent="0">
               <a:buNone/>
               <a:defRPr sz="700"/>
             </a:lvl5pPr>
-            <a:lvl6pPr marL="1800225" indent="0">
+            <a:lvl6pPr marL="1897609" indent="0">
               <a:buNone/>
               <a:defRPr sz="700"/>
             </a:lvl6pPr>
-            <a:lvl7pPr marL="2160270" indent="0">
+            <a:lvl7pPr marL="2277130" indent="0">
               <a:buNone/>
               <a:defRPr sz="700"/>
             </a:lvl7pPr>
-            <a:lvl8pPr marL="2520315" indent="0">
+            <a:lvl8pPr marL="2656652" indent="0">
               <a:buNone/>
               <a:defRPr sz="700"/>
             </a:lvl8pPr>
-            <a:lvl9pPr marL="2880360" indent="0">
+            <a:lvl9pPr marL="3036174" indent="0">
               <a:buNone/>
               <a:defRPr sz="700"/>
             </a:lvl9pPr>
@@ -2252,11 +2694,11 @@
           <a:bodyPr/>
           <a:lstStyle/>
           <a:p>
-            <a:fld id="{697D7EA4-11FB-486B-845E-853D7534C133}" type="datetimeFigureOut">
-              <a:rPr lang="fr-FR" smtClean="0"/>
-              <a:t>07/04/2017</a:t>
+            <a:fld id="{E8FDFF63-9793-40E2-8DBC-13016F069603}" type="datetimeFigureOut">
+              <a:rPr lang="en-US" smtClean="0"/>
+              <a:t>6/22/2017</a:t>
             </a:fld>
-            <a:endParaRPr lang="fr-FR"/>
+            <a:endParaRPr lang="en-US"/>
           </a:p>
         </p:txBody>
       </p:sp>
@@ -2275,7 +2717,7 @@
           <a:bodyPr/>
           <a:lstStyle/>
           <a:p>
-            <a:endParaRPr lang="fr-FR"/>
+            <a:endParaRPr lang="en-US"/>
           </a:p>
         </p:txBody>
       </p:sp>
@@ -2294,18 +2736,18 @@
           <a:bodyPr/>
           <a:lstStyle/>
           <a:p>
-            <a:fld id="{9D27901A-EFCD-44EB-89E9-E2F82BC03A2C}" type="slidenum">
-              <a:rPr lang="fr-FR" smtClean="0"/>
+            <a:fld id="{918781F0-7AA1-4B0D-8E17-235B1E5A9496}" type="slidenum">
+              <a:rPr lang="en-US" smtClean="0"/>
               <a:t>‹N°›</a:t>
             </a:fld>
-            <a:endParaRPr lang="fr-FR"/>
+            <a:endParaRPr lang="en-US"/>
           </a:p>
         </p:txBody>
       </p:sp>
     </p:spTree>
     <p:extLst>
       <p:ext uri="{BB962C8B-B14F-4D97-AF65-F5344CB8AC3E}">
-        <p14:creationId xmlns:p14="http://schemas.microsoft.com/office/powerpoint/2010/main" val="3254550645"/>
+        <p14:creationId xmlns:p14="http://schemas.microsoft.com/office/powerpoint/2010/main" val="1834488676"/>
       </p:ext>
     </p:extLst>
   </p:cSld>
@@ -2344,15 +2786,15 @@
         </p:nvSpPr>
         <p:spPr>
           <a:xfrm>
-            <a:off x="1623016" y="2772570"/>
-            <a:ext cx="4968240" cy="327317"/>
+            <a:off x="1333639" y="4436111"/>
+            <a:ext cx="4082415" cy="523708"/>
           </a:xfrm>
         </p:spPr>
         <p:txBody>
           <a:bodyPr anchor="b"/>
           <a:lstStyle>
             <a:lvl1pPr algn="l">
-              <a:defRPr sz="1600" b="1"/>
+              <a:defRPr sz="1700" b="1"/>
             </a:lvl1pPr>
           </a:lstStyle>
           <a:p>
@@ -2360,7 +2802,7 @@
               <a:rPr lang="fr-FR" smtClean="0"/>
               <a:t>Modifiez le style du titre</a:t>
             </a:r>
-            <a:endParaRPr lang="fr-FR"/>
+            <a:endParaRPr lang="en-US"/>
           </a:p>
         </p:txBody>
       </p:sp>
@@ -2376,8 +2818,8 @@
         </p:nvSpPr>
         <p:spPr>
           <a:xfrm>
-            <a:off x="1623016" y="353906"/>
-            <a:ext cx="4968240" cy="2376488"/>
+            <a:off x="1333639" y="566250"/>
+            <a:ext cx="4082415" cy="3802380"/>
           </a:xfrm>
         </p:spPr>
         <p:txBody>
@@ -2385,43 +2827,43 @@
           <a:lstStyle>
             <a:lvl1pPr marL="0" indent="0">
               <a:buNone/>
-              <a:defRPr sz="2500"/>
+              <a:defRPr sz="2700"/>
             </a:lvl1pPr>
-            <a:lvl2pPr marL="360045" indent="0">
-              <a:buNone/>
-              <a:defRPr sz="2200"/>
+            <a:lvl2pPr marL="379522" indent="0">
+              <a:buNone/>
+              <a:defRPr sz="2300"/>
             </a:lvl2pPr>
-            <a:lvl3pPr marL="720090" indent="0">
-              <a:buNone/>
-              <a:defRPr sz="1900"/>
+            <a:lvl3pPr marL="759043" indent="0">
+              <a:buNone/>
+              <a:defRPr sz="2000"/>
             </a:lvl3pPr>
-            <a:lvl4pPr marL="1080135" indent="0">
-              <a:buNone/>
-              <a:defRPr sz="1600"/>
+            <a:lvl4pPr marL="1138565" indent="0">
+              <a:buNone/>
+              <a:defRPr sz="1700"/>
             </a:lvl4pPr>
-            <a:lvl5pPr marL="1440180" indent="0">
-              <a:buNone/>
-              <a:defRPr sz="1600"/>
+            <a:lvl5pPr marL="1518087" indent="0">
+              <a:buNone/>
+              <a:defRPr sz="1700"/>
             </a:lvl5pPr>
-            <a:lvl6pPr marL="1800225" indent="0">
-              <a:buNone/>
-              <a:defRPr sz="1600"/>
+            <a:lvl6pPr marL="1897609" indent="0">
+              <a:buNone/>
+              <a:defRPr sz="1700"/>
             </a:lvl6pPr>
-            <a:lvl7pPr marL="2160270" indent="0">
-              <a:buNone/>
-              <a:defRPr sz="1600"/>
+            <a:lvl7pPr marL="2277130" indent="0">
+              <a:buNone/>
+              <a:defRPr sz="1700"/>
             </a:lvl7pPr>
-            <a:lvl8pPr marL="2520315" indent="0">
-              <a:buNone/>
-              <a:defRPr sz="1600"/>
+            <a:lvl8pPr marL="2656652" indent="0">
+              <a:buNone/>
+              <a:defRPr sz="1700"/>
             </a:lvl8pPr>
-            <a:lvl9pPr marL="2880360" indent="0">
-              <a:buNone/>
-              <a:defRPr sz="1600"/>
+            <a:lvl9pPr marL="3036174" indent="0">
+              <a:buNone/>
+              <a:defRPr sz="1700"/>
             </a:lvl9pPr>
           </a:lstStyle>
           <a:p>
-            <a:endParaRPr lang="fr-FR"/>
+            <a:endParaRPr lang="en-US"/>
           </a:p>
         </p:txBody>
       </p:sp>
@@ -2437,8 +2879,8 @@
         </p:nvSpPr>
         <p:spPr>
           <a:xfrm>
-            <a:off x="1623016" y="3099888"/>
-            <a:ext cx="4968240" cy="464845"/>
+            <a:off x="1333639" y="4959819"/>
+            <a:ext cx="4082415" cy="743752"/>
           </a:xfrm>
         </p:spPr>
         <p:txBody>
@@ -2446,37 +2888,37 @@
           <a:lstStyle>
             <a:lvl1pPr marL="0" indent="0">
               <a:buNone/>
-              <a:defRPr sz="1100"/>
+              <a:defRPr sz="1200"/>
             </a:lvl1pPr>
-            <a:lvl2pPr marL="360045" indent="0">
-              <a:buNone/>
-              <a:defRPr sz="900"/>
+            <a:lvl2pPr marL="379522" indent="0">
+              <a:buNone/>
+              <a:defRPr sz="1000"/>
             </a:lvl2pPr>
-            <a:lvl3pPr marL="720090" indent="0">
+            <a:lvl3pPr marL="759043" indent="0">
               <a:buNone/>
               <a:defRPr sz="800"/>
             </a:lvl3pPr>
-            <a:lvl4pPr marL="1080135" indent="0">
+            <a:lvl4pPr marL="1138565" indent="0">
               <a:buNone/>
               <a:defRPr sz="700"/>
             </a:lvl4pPr>
-            <a:lvl5pPr marL="1440180" indent="0">
+            <a:lvl5pPr marL="1518087" indent="0">
               <a:buNone/>
               <a:defRPr sz="700"/>
             </a:lvl5pPr>
-            <a:lvl6pPr marL="1800225" indent="0">
+            <a:lvl6pPr marL="1897609" indent="0">
               <a:buNone/>
               <a:defRPr sz="700"/>
             </a:lvl6pPr>
-            <a:lvl7pPr marL="2160270" indent="0">
+            <a:lvl7pPr marL="2277130" indent="0">
               <a:buNone/>
               <a:defRPr sz="700"/>
             </a:lvl7pPr>
-            <a:lvl8pPr marL="2520315" indent="0">
+            <a:lvl8pPr marL="2656652" indent="0">
               <a:buNone/>
               <a:defRPr sz="700"/>
             </a:lvl8pPr>
-            <a:lvl9pPr marL="2880360" indent="0">
+            <a:lvl9pPr marL="3036174" indent="0">
               <a:buNone/>
               <a:defRPr sz="700"/>
             </a:lvl9pPr>
@@ -2505,11 +2947,11 @@
           <a:bodyPr/>
           <a:lstStyle/>
           <a:p>
-            <a:fld id="{697D7EA4-11FB-486B-845E-853D7534C133}" type="datetimeFigureOut">
-              <a:rPr lang="fr-FR" smtClean="0"/>
-              <a:t>07/04/2017</a:t>
+            <a:fld id="{E8FDFF63-9793-40E2-8DBC-13016F069603}" type="datetimeFigureOut">
+              <a:rPr lang="en-US" smtClean="0"/>
+              <a:t>6/22/2017</a:t>
             </a:fld>
-            <a:endParaRPr lang="fr-FR"/>
+            <a:endParaRPr lang="en-US"/>
           </a:p>
         </p:txBody>
       </p:sp>
@@ -2528,7 +2970,7 @@
           <a:bodyPr/>
           <a:lstStyle/>
           <a:p>
-            <a:endParaRPr lang="fr-FR"/>
+            <a:endParaRPr lang="en-US"/>
           </a:p>
         </p:txBody>
       </p:sp>
@@ -2547,18 +2989,18 @@
           <a:bodyPr/>
           <a:lstStyle/>
           <a:p>
-            <a:fld id="{9D27901A-EFCD-44EB-89E9-E2F82BC03A2C}" type="slidenum">
-              <a:rPr lang="fr-FR" smtClean="0"/>
+            <a:fld id="{918781F0-7AA1-4B0D-8E17-235B1E5A9496}" type="slidenum">
+              <a:rPr lang="en-US" smtClean="0"/>
               <a:t>‹N°›</a:t>
             </a:fld>
-            <a:endParaRPr lang="fr-FR"/>
+            <a:endParaRPr lang="en-US"/>
           </a:p>
         </p:txBody>
       </p:sp>
     </p:spTree>
     <p:extLst>
       <p:ext uri="{BB962C8B-B14F-4D97-AF65-F5344CB8AC3E}">
-        <p14:creationId xmlns:p14="http://schemas.microsoft.com/office/powerpoint/2010/main" val="2682351331"/>
+        <p14:creationId xmlns:p14="http://schemas.microsoft.com/office/powerpoint/2010/main" val="4111233185"/>
       </p:ext>
     </p:extLst>
   </p:cSld>
@@ -2602,15 +3044,15 @@
         </p:nvSpPr>
         <p:spPr>
           <a:xfrm>
-            <a:off x="414020" y="158616"/>
-            <a:ext cx="7452360" cy="660136"/>
+            <a:off x="340202" y="253788"/>
+            <a:ext cx="6123623" cy="1056216"/>
           </a:xfrm>
           <a:prstGeom prst="rect">
             <a:avLst/>
           </a:prstGeom>
         </p:spPr>
         <p:txBody>
-          <a:bodyPr vert="horz" lIns="72009" tIns="36005" rIns="72009" bIns="36005" rtlCol="0" anchor="ctr">
+          <a:bodyPr vert="horz" lIns="75904" tIns="37952" rIns="75904" bIns="37952" rtlCol="0" anchor="ctr">
             <a:normAutofit/>
           </a:bodyPr>
           <a:lstStyle/>
@@ -2619,7 +3061,7 @@
               <a:rPr lang="fr-FR" smtClean="0"/>
               <a:t>Modifiez le style du titre</a:t>
             </a:r>
-            <a:endParaRPr lang="fr-FR"/>
+            <a:endParaRPr lang="en-US"/>
           </a:p>
         </p:txBody>
       </p:sp>
@@ -2635,15 +3077,15 @@
         </p:nvSpPr>
         <p:spPr>
           <a:xfrm>
-            <a:off x="414020" y="924191"/>
-            <a:ext cx="7452360" cy="2613953"/>
+            <a:off x="340202" y="1478705"/>
+            <a:ext cx="6123623" cy="4182325"/>
           </a:xfrm>
           <a:prstGeom prst="rect">
             <a:avLst/>
           </a:prstGeom>
         </p:spPr>
         <p:txBody>
-          <a:bodyPr vert="horz" lIns="72009" tIns="36005" rIns="72009" bIns="36005" rtlCol="0">
+          <a:bodyPr vert="horz" lIns="75904" tIns="37952" rIns="75904" bIns="37952" rtlCol="0">
             <a:normAutofit/>
           </a:bodyPr>
           <a:lstStyle/>
@@ -2681,7 +3123,7 @@
               <a:rPr lang="fr-FR" smtClean="0"/>
               <a:t>Cinquième niveau</a:t>
             </a:r>
-            <a:endParaRPr lang="fr-FR"/>
+            <a:endParaRPr lang="en-US"/>
           </a:p>
         </p:txBody>
       </p:sp>
@@ -2697,18 +3139,18 @@
         </p:nvSpPr>
         <p:spPr>
           <a:xfrm>
-            <a:off x="414020" y="3671088"/>
-            <a:ext cx="1932093" cy="210877"/>
+            <a:off x="340201" y="5873740"/>
+            <a:ext cx="1587606" cy="337403"/>
           </a:xfrm>
           <a:prstGeom prst="rect">
             <a:avLst/>
           </a:prstGeom>
         </p:spPr>
         <p:txBody>
-          <a:bodyPr vert="horz" lIns="72009" tIns="36005" rIns="72009" bIns="36005" rtlCol="0" anchor="ctr"/>
+          <a:bodyPr vert="horz" lIns="75904" tIns="37952" rIns="75904" bIns="37952" rtlCol="0" anchor="ctr"/>
           <a:lstStyle>
             <a:lvl1pPr algn="l">
-              <a:defRPr sz="900">
+              <a:defRPr sz="1000">
                 <a:solidFill>
                   <a:schemeClr val="tx1">
                     <a:tint val="75000"/>
@@ -2718,11 +3160,11 @@
             </a:lvl1pPr>
           </a:lstStyle>
           <a:p>
-            <a:fld id="{697D7EA4-11FB-486B-845E-853D7534C133}" type="datetimeFigureOut">
-              <a:rPr lang="fr-FR" smtClean="0"/>
-              <a:t>07/04/2017</a:t>
+            <a:fld id="{E8FDFF63-9793-40E2-8DBC-13016F069603}" type="datetimeFigureOut">
+              <a:rPr lang="en-US" smtClean="0"/>
+              <a:t>6/22/2017</a:t>
             </a:fld>
-            <a:endParaRPr lang="fr-FR"/>
+            <a:endParaRPr lang="en-US"/>
           </a:p>
         </p:txBody>
       </p:sp>
@@ -2738,18 +3180,18 @@
         </p:nvSpPr>
         <p:spPr>
           <a:xfrm>
-            <a:off x="2829137" y="3671088"/>
-            <a:ext cx="2622127" cy="210877"/>
+            <a:off x="2324709" y="5873740"/>
+            <a:ext cx="2154608" cy="337403"/>
           </a:xfrm>
           <a:prstGeom prst="rect">
             <a:avLst/>
           </a:prstGeom>
         </p:spPr>
         <p:txBody>
-          <a:bodyPr vert="horz" lIns="72009" tIns="36005" rIns="72009" bIns="36005" rtlCol="0" anchor="ctr"/>
+          <a:bodyPr vert="horz" lIns="75904" tIns="37952" rIns="75904" bIns="37952" rtlCol="0" anchor="ctr"/>
           <a:lstStyle>
             <a:lvl1pPr algn="ctr">
-              <a:defRPr sz="900">
+              <a:defRPr sz="1000">
                 <a:solidFill>
                   <a:schemeClr val="tx1">
                     <a:tint val="75000"/>
@@ -2759,7 +3201,7 @@
             </a:lvl1pPr>
           </a:lstStyle>
           <a:p>
-            <a:endParaRPr lang="fr-FR"/>
+            <a:endParaRPr lang="en-US"/>
           </a:p>
         </p:txBody>
       </p:sp>
@@ -2775,18 +3217,18 @@
         </p:nvSpPr>
         <p:spPr>
           <a:xfrm>
-            <a:off x="5934287" y="3671088"/>
-            <a:ext cx="1932093" cy="210877"/>
+            <a:off x="4876218" y="5873740"/>
+            <a:ext cx="1587606" cy="337403"/>
           </a:xfrm>
           <a:prstGeom prst="rect">
             <a:avLst/>
           </a:prstGeom>
         </p:spPr>
         <p:txBody>
-          <a:bodyPr vert="horz" lIns="72009" tIns="36005" rIns="72009" bIns="36005" rtlCol="0" anchor="ctr"/>
+          <a:bodyPr vert="horz" lIns="75904" tIns="37952" rIns="75904" bIns="37952" rtlCol="0" anchor="ctr"/>
           <a:lstStyle>
             <a:lvl1pPr algn="r">
-              <a:defRPr sz="900">
+              <a:defRPr sz="1000">
                 <a:solidFill>
                   <a:schemeClr val="tx1">
                     <a:tint val="75000"/>
@@ -2796,18 +3238,18 @@
             </a:lvl1pPr>
           </a:lstStyle>
           <a:p>
-            <a:fld id="{9D27901A-EFCD-44EB-89E9-E2F82BC03A2C}" type="slidenum">
-              <a:rPr lang="fr-FR" smtClean="0"/>
+            <a:fld id="{918781F0-7AA1-4B0D-8E17-235B1E5A9496}" type="slidenum">
+              <a:rPr lang="en-US" smtClean="0"/>
               <a:t>‹N°›</a:t>
             </a:fld>
-            <a:endParaRPr lang="fr-FR"/>
+            <a:endParaRPr lang="en-US"/>
           </a:p>
         </p:txBody>
       </p:sp>
     </p:spTree>
     <p:extLst>
       <p:ext uri="{BB962C8B-B14F-4D97-AF65-F5344CB8AC3E}">
-        <p14:creationId xmlns:p14="http://schemas.microsoft.com/office/powerpoint/2010/main" val="297243601"/>
+        <p14:creationId xmlns:p14="http://schemas.microsoft.com/office/powerpoint/2010/main" val="1351113230"/>
       </p:ext>
     </p:extLst>
   </p:cSld>
@@ -2827,12 +3269,12 @@
   </p:sldLayoutIdLst>
   <p:txStyles>
     <p:titleStyle>
-      <a:lvl1pPr algn="ctr" defTabSz="720090" rtl="0" eaLnBrk="1" latinLnBrk="0" hangingPunct="1">
+      <a:lvl1pPr algn="ctr" defTabSz="759043" rtl="0" eaLnBrk="1" latinLnBrk="0" hangingPunct="1">
         <a:spcBef>
           <a:spcPct val="0"/>
         </a:spcBef>
         <a:buNone/>
-        <a:defRPr sz="3500" kern="1200">
+        <a:defRPr sz="3700" kern="1200">
           <a:solidFill>
             <a:schemeClr val="tx1"/>
           </a:solidFill>
@@ -2843,13 +3285,13 @@
       </a:lvl1pPr>
     </p:titleStyle>
     <p:bodyStyle>
-      <a:lvl1pPr marL="270034" indent="-270034" algn="l" defTabSz="720090" rtl="0" eaLnBrk="1" latinLnBrk="0" hangingPunct="1">
+      <a:lvl1pPr marL="284641" indent="-284641" algn="l" defTabSz="759043" rtl="0" eaLnBrk="1" latinLnBrk="0" hangingPunct="1">
         <a:spcBef>
           <a:spcPct val="20000"/>
         </a:spcBef>
-        <a:buFont typeface="Arial" pitchFamily="34" charset="0"/>
+        <a:buFont typeface="Arial" panose="020B0604020202020204" pitchFamily="34" charset="0"/>
         <a:buChar char="•"/>
-        <a:defRPr sz="2500" kern="1200">
+        <a:defRPr sz="2700" kern="1200">
           <a:solidFill>
             <a:schemeClr val="tx1"/>
           </a:solidFill>
@@ -2858,13 +3300,13 @@
           <a:cs typeface="+mn-cs"/>
         </a:defRPr>
       </a:lvl1pPr>
-      <a:lvl2pPr marL="585073" indent="-225028" algn="l" defTabSz="720090" rtl="0" eaLnBrk="1" latinLnBrk="0" hangingPunct="1">
+      <a:lvl2pPr marL="616723" indent="-237201" algn="l" defTabSz="759043" rtl="0" eaLnBrk="1" latinLnBrk="0" hangingPunct="1">
         <a:spcBef>
           <a:spcPct val="20000"/>
         </a:spcBef>
-        <a:buFont typeface="Arial" pitchFamily="34" charset="0"/>
+        <a:buFont typeface="Arial" panose="020B0604020202020204" pitchFamily="34" charset="0"/>
         <a:buChar char="–"/>
-        <a:defRPr sz="2200" kern="1200">
+        <a:defRPr sz="2300" kern="1200">
           <a:solidFill>
             <a:schemeClr val="tx1"/>
           </a:solidFill>
@@ -2873,13 +3315,13 @@
           <a:cs typeface="+mn-cs"/>
         </a:defRPr>
       </a:lvl2pPr>
-      <a:lvl3pPr marL="900113" indent="-180023" algn="l" defTabSz="720090" rtl="0" eaLnBrk="1" latinLnBrk="0" hangingPunct="1">
+      <a:lvl3pPr marL="948804" indent="-189761" algn="l" defTabSz="759043" rtl="0" eaLnBrk="1" latinLnBrk="0" hangingPunct="1">
         <a:spcBef>
           <a:spcPct val="20000"/>
         </a:spcBef>
-        <a:buFont typeface="Arial" pitchFamily="34" charset="0"/>
+        <a:buFont typeface="Arial" panose="020B0604020202020204" pitchFamily="34" charset="0"/>
         <a:buChar char="•"/>
-        <a:defRPr sz="1900" kern="1200">
+        <a:defRPr sz="2000" kern="1200">
           <a:solidFill>
             <a:schemeClr val="tx1"/>
           </a:solidFill>
@@ -2888,13 +3330,13 @@
           <a:cs typeface="+mn-cs"/>
         </a:defRPr>
       </a:lvl3pPr>
-      <a:lvl4pPr marL="1260158" indent="-180023" algn="l" defTabSz="720090" rtl="0" eaLnBrk="1" latinLnBrk="0" hangingPunct="1">
+      <a:lvl4pPr marL="1328326" indent="-189761" algn="l" defTabSz="759043" rtl="0" eaLnBrk="1" latinLnBrk="0" hangingPunct="1">
         <a:spcBef>
           <a:spcPct val="20000"/>
         </a:spcBef>
-        <a:buFont typeface="Arial" pitchFamily="34" charset="0"/>
+        <a:buFont typeface="Arial" panose="020B0604020202020204" pitchFamily="34" charset="0"/>
         <a:buChar char="–"/>
-        <a:defRPr sz="1600" kern="1200">
+        <a:defRPr sz="1700" kern="1200">
           <a:solidFill>
             <a:schemeClr val="tx1"/>
           </a:solidFill>
@@ -2903,13 +3345,13 @@
           <a:cs typeface="+mn-cs"/>
         </a:defRPr>
       </a:lvl4pPr>
-      <a:lvl5pPr marL="1620203" indent="-180023" algn="l" defTabSz="720090" rtl="0" eaLnBrk="1" latinLnBrk="0" hangingPunct="1">
+      <a:lvl5pPr marL="1707848" indent="-189761" algn="l" defTabSz="759043" rtl="0" eaLnBrk="1" latinLnBrk="0" hangingPunct="1">
         <a:spcBef>
           <a:spcPct val="20000"/>
         </a:spcBef>
-        <a:buFont typeface="Arial" pitchFamily="34" charset="0"/>
+        <a:buFont typeface="Arial" panose="020B0604020202020204" pitchFamily="34" charset="0"/>
         <a:buChar char="»"/>
-        <a:defRPr sz="1600" kern="1200">
+        <a:defRPr sz="1700" kern="1200">
           <a:solidFill>
             <a:schemeClr val="tx1"/>
           </a:solidFill>
@@ -2918,13 +3360,13 @@
           <a:cs typeface="+mn-cs"/>
         </a:defRPr>
       </a:lvl5pPr>
-      <a:lvl6pPr marL="1980248" indent="-180023" algn="l" defTabSz="720090" rtl="0" eaLnBrk="1" latinLnBrk="0" hangingPunct="1">
+      <a:lvl6pPr marL="2087369" indent="-189761" algn="l" defTabSz="759043" rtl="0" eaLnBrk="1" latinLnBrk="0" hangingPunct="1">
         <a:spcBef>
           <a:spcPct val="20000"/>
         </a:spcBef>
-        <a:buFont typeface="Arial" pitchFamily="34" charset="0"/>
+        <a:buFont typeface="Arial" panose="020B0604020202020204" pitchFamily="34" charset="0"/>
         <a:buChar char="•"/>
-        <a:defRPr sz="1600" kern="1200">
+        <a:defRPr sz="1700" kern="1200">
           <a:solidFill>
             <a:schemeClr val="tx1"/>
           </a:solidFill>
@@ -2933,13 +3375,13 @@
           <a:cs typeface="+mn-cs"/>
         </a:defRPr>
       </a:lvl6pPr>
-      <a:lvl7pPr marL="2340293" indent="-180023" algn="l" defTabSz="720090" rtl="0" eaLnBrk="1" latinLnBrk="0" hangingPunct="1">
+      <a:lvl7pPr marL="2466891" indent="-189761" algn="l" defTabSz="759043" rtl="0" eaLnBrk="1" latinLnBrk="0" hangingPunct="1">
         <a:spcBef>
           <a:spcPct val="20000"/>
         </a:spcBef>
-        <a:buFont typeface="Arial" pitchFamily="34" charset="0"/>
+        <a:buFont typeface="Arial" panose="020B0604020202020204" pitchFamily="34" charset="0"/>
         <a:buChar char="•"/>
-        <a:defRPr sz="1600" kern="1200">
+        <a:defRPr sz="1700" kern="1200">
           <a:solidFill>
             <a:schemeClr val="tx1"/>
           </a:solidFill>
@@ -2948,13 +3390,13 @@
           <a:cs typeface="+mn-cs"/>
         </a:defRPr>
       </a:lvl7pPr>
-      <a:lvl8pPr marL="2700338" indent="-180023" algn="l" defTabSz="720090" rtl="0" eaLnBrk="1" latinLnBrk="0" hangingPunct="1">
+      <a:lvl8pPr marL="2846413" indent="-189761" algn="l" defTabSz="759043" rtl="0" eaLnBrk="1" latinLnBrk="0" hangingPunct="1">
         <a:spcBef>
           <a:spcPct val="20000"/>
         </a:spcBef>
-        <a:buFont typeface="Arial" pitchFamily="34" charset="0"/>
+        <a:buFont typeface="Arial" panose="020B0604020202020204" pitchFamily="34" charset="0"/>
         <a:buChar char="•"/>
-        <a:defRPr sz="1600" kern="1200">
+        <a:defRPr sz="1700" kern="1200">
           <a:solidFill>
             <a:schemeClr val="tx1"/>
           </a:solidFill>
@@ -2963,13 +3405,13 @@
           <a:cs typeface="+mn-cs"/>
         </a:defRPr>
       </a:lvl8pPr>
-      <a:lvl9pPr marL="3060383" indent="-180023" algn="l" defTabSz="720090" rtl="0" eaLnBrk="1" latinLnBrk="0" hangingPunct="1">
+      <a:lvl9pPr marL="3225935" indent="-189761" algn="l" defTabSz="759043" rtl="0" eaLnBrk="1" latinLnBrk="0" hangingPunct="1">
         <a:spcBef>
           <a:spcPct val="20000"/>
         </a:spcBef>
-        <a:buFont typeface="Arial" pitchFamily="34" charset="0"/>
+        <a:buFont typeface="Arial" panose="020B0604020202020204" pitchFamily="34" charset="0"/>
         <a:buChar char="•"/>
-        <a:defRPr sz="1600" kern="1200">
+        <a:defRPr sz="1700" kern="1200">
           <a:solidFill>
             <a:schemeClr val="tx1"/>
           </a:solidFill>
@@ -2981,10 +3423,10 @@
     </p:bodyStyle>
     <p:otherStyle>
       <a:defPPr>
-        <a:defRPr lang="fr-FR"/>
+        <a:defRPr lang="en-US"/>
       </a:defPPr>
-      <a:lvl1pPr marL="0" algn="l" defTabSz="720090" rtl="0" eaLnBrk="1" latinLnBrk="0" hangingPunct="1">
-        <a:defRPr sz="1400" kern="1200">
+      <a:lvl1pPr marL="0" algn="l" defTabSz="759043" rtl="0" eaLnBrk="1" latinLnBrk="0" hangingPunct="1">
+        <a:defRPr sz="1500" kern="1200">
           <a:solidFill>
             <a:schemeClr val="tx1"/>
           </a:solidFill>
@@ -2993,8 +3435,8 @@
           <a:cs typeface="+mn-cs"/>
         </a:defRPr>
       </a:lvl1pPr>
-      <a:lvl2pPr marL="360045" algn="l" defTabSz="720090" rtl="0" eaLnBrk="1" latinLnBrk="0" hangingPunct="1">
-        <a:defRPr sz="1400" kern="1200">
+      <a:lvl2pPr marL="379522" algn="l" defTabSz="759043" rtl="0" eaLnBrk="1" latinLnBrk="0" hangingPunct="1">
+        <a:defRPr sz="1500" kern="1200">
           <a:solidFill>
             <a:schemeClr val="tx1"/>
           </a:solidFill>
@@ -3003,8 +3445,8 @@
           <a:cs typeface="+mn-cs"/>
         </a:defRPr>
       </a:lvl2pPr>
-      <a:lvl3pPr marL="720090" algn="l" defTabSz="720090" rtl="0" eaLnBrk="1" latinLnBrk="0" hangingPunct="1">
-        <a:defRPr sz="1400" kern="1200">
+      <a:lvl3pPr marL="759043" algn="l" defTabSz="759043" rtl="0" eaLnBrk="1" latinLnBrk="0" hangingPunct="1">
+        <a:defRPr sz="1500" kern="1200">
           <a:solidFill>
             <a:schemeClr val="tx1"/>
           </a:solidFill>
@@ -3013,8 +3455,8 @@
           <a:cs typeface="+mn-cs"/>
         </a:defRPr>
       </a:lvl3pPr>
-      <a:lvl4pPr marL="1080135" algn="l" defTabSz="720090" rtl="0" eaLnBrk="1" latinLnBrk="0" hangingPunct="1">
-        <a:defRPr sz="1400" kern="1200">
+      <a:lvl4pPr marL="1138565" algn="l" defTabSz="759043" rtl="0" eaLnBrk="1" latinLnBrk="0" hangingPunct="1">
+        <a:defRPr sz="1500" kern="1200">
           <a:solidFill>
             <a:schemeClr val="tx1"/>
           </a:solidFill>
@@ -3023,8 +3465,8 @@
           <a:cs typeface="+mn-cs"/>
         </a:defRPr>
       </a:lvl4pPr>
-      <a:lvl5pPr marL="1440180" algn="l" defTabSz="720090" rtl="0" eaLnBrk="1" latinLnBrk="0" hangingPunct="1">
-        <a:defRPr sz="1400" kern="1200">
+      <a:lvl5pPr marL="1518087" algn="l" defTabSz="759043" rtl="0" eaLnBrk="1" latinLnBrk="0" hangingPunct="1">
+        <a:defRPr sz="1500" kern="1200">
           <a:solidFill>
             <a:schemeClr val="tx1"/>
           </a:solidFill>
@@ -3033,8 +3475,8 @@
           <a:cs typeface="+mn-cs"/>
         </a:defRPr>
       </a:lvl5pPr>
-      <a:lvl6pPr marL="1800225" algn="l" defTabSz="720090" rtl="0" eaLnBrk="1" latinLnBrk="0" hangingPunct="1">
-        <a:defRPr sz="1400" kern="1200">
+      <a:lvl6pPr marL="1897609" algn="l" defTabSz="759043" rtl="0" eaLnBrk="1" latinLnBrk="0" hangingPunct="1">
+        <a:defRPr sz="1500" kern="1200">
           <a:solidFill>
             <a:schemeClr val="tx1"/>
           </a:solidFill>
@@ -3043,8 +3485,8 @@
           <a:cs typeface="+mn-cs"/>
         </a:defRPr>
       </a:lvl6pPr>
-      <a:lvl7pPr marL="2160270" algn="l" defTabSz="720090" rtl="0" eaLnBrk="1" latinLnBrk="0" hangingPunct="1">
-        <a:defRPr sz="1400" kern="1200">
+      <a:lvl7pPr marL="2277130" algn="l" defTabSz="759043" rtl="0" eaLnBrk="1" latinLnBrk="0" hangingPunct="1">
+        <a:defRPr sz="1500" kern="1200">
           <a:solidFill>
             <a:schemeClr val="tx1"/>
           </a:solidFill>
@@ -3053,8 +3495,8 @@
           <a:cs typeface="+mn-cs"/>
         </a:defRPr>
       </a:lvl7pPr>
-      <a:lvl8pPr marL="2520315" algn="l" defTabSz="720090" rtl="0" eaLnBrk="1" latinLnBrk="0" hangingPunct="1">
-        <a:defRPr sz="1400" kern="1200">
+      <a:lvl8pPr marL="2656652" algn="l" defTabSz="759043" rtl="0" eaLnBrk="1" latinLnBrk="0" hangingPunct="1">
+        <a:defRPr sz="1500" kern="1200">
           <a:solidFill>
             <a:schemeClr val="tx1"/>
           </a:solidFill>
@@ -3063,8 +3505,8 @@
           <a:cs typeface="+mn-cs"/>
         </a:defRPr>
       </a:lvl8pPr>
-      <a:lvl9pPr marL="2880360" algn="l" defTabSz="720090" rtl="0" eaLnBrk="1" latinLnBrk="0" hangingPunct="1">
-        <a:defRPr sz="1400" kern="1200">
+      <a:lvl9pPr marL="3036174" algn="l" defTabSz="759043" rtl="0" eaLnBrk="1" latinLnBrk="0" hangingPunct="1">
+        <a:defRPr sz="1500" kern="1200">
           <a:solidFill>
             <a:schemeClr val="tx1"/>
           </a:solidFill>
@@ -3097,14 +3539,14 @@
       </p:grpSpPr>
       <p:pic>
         <p:nvPicPr>
-          <p:cNvPr id="7" name="Picture 2"/>
+          <p:cNvPr id="17" name="Picture 2"/>
           <p:cNvPicPr>
             <a:picLocks noChangeAspect="1" noChangeArrowheads="1"/>
           </p:cNvPicPr>
           <p:nvPr/>
         </p:nvPicPr>
         <p:blipFill>
-          <a:blip r:embed="rId2">
+          <a:blip r:embed="rId3" cstate="print">
             <a:extLst>
               <a:ext uri="{28A0092B-C50C-407E-A947-70E740481C1C}">
                 <a14:useLocalDpi xmlns:a14="http://schemas.microsoft.com/office/drawing/2010/main" val="0"/>
@@ -3118,8 +3560,8 @@
         </p:blipFill>
         <p:spPr bwMode="auto">
           <a:xfrm>
-            <a:off x="-108000" y="-36000"/>
-            <a:ext cx="4370387" cy="3986213"/>
+            <a:off x="5631" y="-72008"/>
+            <a:ext cx="3783409" cy="6516216"/>
           </a:xfrm>
           <a:prstGeom prst="rect">
             <a:avLst/>
@@ -3128,7 +3570,6 @@
           <a:ln>
             <a:noFill/>
           </a:ln>
-          <a:effectLst/>
           <a:extLst>
             <a:ext uri="{909E8E84-426E-40DD-AFC4-6F175D3DCCD1}">
               <a14:hiddenFill xmlns:a14="http://schemas.microsoft.com/office/drawing/2010/main">
@@ -3147,43 +3588,68 @@
                 <a:tailEnd/>
               </a14:hiddenLine>
             </a:ext>
-            <a:ext uri="{AF507438-7753-43E0-B8FC-AC1667EBCBE1}">
-              <a14:hiddenEffects xmlns:a14="http://schemas.microsoft.com/office/drawing/2010/main">
-                <a:effectLst>
-                  <a:outerShdw dist="35921" dir="2700000" algn="ctr" rotWithShape="0">
-                    <a:schemeClr val="bg2"/>
-                  </a:outerShdw>
-                </a:effectLst>
-              </a14:hiddenEffects>
-            </a:ext>
           </a:extLst>
         </p:spPr>
       </p:pic>
+      <p:sp>
+        <p:nvSpPr>
+          <p:cNvPr id="18" name="ZoneTexte 17"/>
+          <p:cNvSpPr txBox="1"/>
+          <p:nvPr/>
+        </p:nvSpPr>
+        <p:spPr>
+          <a:xfrm>
+            <a:off x="35526" y="26204"/>
+            <a:ext cx="441146" cy="369332"/>
+          </a:xfrm>
+          <a:prstGeom prst="rect">
+            <a:avLst/>
+          </a:prstGeom>
+          <a:noFill/>
+        </p:spPr>
+        <p:txBody>
+          <a:bodyPr wrap="none" rtlCol="0">
+            <a:spAutoFit/>
+          </a:bodyPr>
+          <a:lstStyle/>
+          <a:p>
+            <a:r>
+              <a:rPr lang="fr-FR" dirty="0" smtClean="0">
+                <a:latin typeface="Times New Roman" panose="02020603050405020304" pitchFamily="18" charset="0"/>
+                <a:cs typeface="Times New Roman" panose="02020603050405020304" pitchFamily="18" charset="0"/>
+              </a:rPr>
+              <a:t>(a)</a:t>
+            </a:r>
+            <a:endParaRPr lang="en-US" dirty="0">
+              <a:latin typeface="Times New Roman" panose="02020603050405020304" pitchFamily="18" charset="0"/>
+              <a:cs typeface="Times New Roman" panose="02020603050405020304" pitchFamily="18" charset="0"/>
+            </a:endParaRPr>
+          </a:p>
+        </p:txBody>
+      </p:sp>
       <p:pic>
         <p:nvPicPr>
-          <p:cNvPr id="8" name="Picture 3"/>
+          <p:cNvPr id="19" name="Picture 3"/>
           <p:cNvPicPr>
             <a:picLocks noChangeAspect="1" noChangeArrowheads="1"/>
           </p:cNvPicPr>
           <p:nvPr/>
         </p:nvPicPr>
-        <p:blipFill>
-          <a:blip r:embed="rId3">
+        <p:blipFill rotWithShape="1">
+          <a:blip r:embed="rId4" cstate="print">
             <a:extLst>
               <a:ext uri="{28A0092B-C50C-407E-A947-70E740481C1C}">
                 <a14:useLocalDpi xmlns:a14="http://schemas.microsoft.com/office/drawing/2010/main" val="0"/>
               </a:ext>
             </a:extLst>
           </a:blip>
-          <a:srcRect/>
-          <a:stretch>
-            <a:fillRect/>
-          </a:stretch>
+          <a:srcRect l="4031" r="4757"/>
+          <a:stretch/>
         </p:blipFill>
         <p:spPr bwMode="auto">
           <a:xfrm>
-            <a:off x="4068737" y="-35818"/>
-            <a:ext cx="4428108" cy="4037583"/>
+            <a:off x="3571153" y="1125524"/>
+            <a:ext cx="3286847" cy="3302460"/>
           </a:xfrm>
           <a:prstGeom prst="rect">
             <a:avLst/>
@@ -3192,7 +3658,6 @@
           <a:ln>
             <a:noFill/>
           </a:ln>
-          <a:effectLst/>
           <a:extLst>
             <a:ext uri="{909E8E84-426E-40DD-AFC4-6F175D3DCCD1}">
               <a14:hiddenFill xmlns:a14="http://schemas.microsoft.com/office/drawing/2010/main">
@@ -3211,28 +3676,19 @@
                 <a:tailEnd/>
               </a14:hiddenLine>
             </a:ext>
-            <a:ext uri="{AF507438-7753-43E0-B8FC-AC1667EBCBE1}">
-              <a14:hiddenEffects xmlns:a14="http://schemas.microsoft.com/office/drawing/2010/main">
-                <a:effectLst>
-                  <a:outerShdw dist="35921" dir="2700000" algn="ctr" rotWithShape="0">
-                    <a:schemeClr val="bg2"/>
-                  </a:outerShdw>
-                </a:effectLst>
-              </a14:hiddenEffects>
-            </a:ext>
           </a:extLst>
         </p:spPr>
       </p:pic>
       <p:sp>
         <p:nvSpPr>
-          <p:cNvPr id="13" name="ZoneTexte 12"/>
+          <p:cNvPr id="20" name="ZoneTexte 19"/>
           <p:cNvSpPr txBox="1"/>
           <p:nvPr/>
         </p:nvSpPr>
         <p:spPr>
           <a:xfrm>
-            <a:off x="769939" y="181718"/>
-            <a:ext cx="526106" cy="461665"/>
+            <a:off x="3429000" y="1171447"/>
+            <a:ext cx="453970" cy="369332"/>
           </a:xfrm>
           <a:prstGeom prst="rect">
             <a:avLst/>
@@ -3246,51 +3702,15 @@
           <a:lstStyle/>
           <a:p>
             <a:r>
-              <a:rPr lang="fr-FR" sz="2400" dirty="0" smtClean="0">
-                <a:latin typeface="Times New Roman" pitchFamily="18" charset="0"/>
-                <a:cs typeface="Times New Roman" pitchFamily="18" charset="0"/>
-              </a:rPr>
-              <a:t>(a)</a:t>
-            </a:r>
-            <a:endParaRPr lang="fr-FR" sz="2400" dirty="0">
-              <a:latin typeface="Times New Roman" pitchFamily="18" charset="0"/>
-              <a:cs typeface="Times New Roman" pitchFamily="18" charset="0"/>
-            </a:endParaRPr>
-          </a:p>
-        </p:txBody>
-      </p:sp>
-      <p:sp>
-        <p:nvSpPr>
-          <p:cNvPr id="14" name="ZoneTexte 13"/>
-          <p:cNvSpPr txBox="1"/>
-          <p:nvPr/>
-        </p:nvSpPr>
-        <p:spPr>
-          <a:xfrm>
-            <a:off x="4874395" y="138486"/>
-            <a:ext cx="543739" cy="461665"/>
-          </a:xfrm>
-          <a:prstGeom prst="rect">
-            <a:avLst/>
-          </a:prstGeom>
-          <a:noFill/>
-        </p:spPr>
-        <p:txBody>
-          <a:bodyPr wrap="none" rtlCol="0">
-            <a:spAutoFit/>
-          </a:bodyPr>
-          <a:lstStyle/>
-          <a:p>
-            <a:r>
-              <a:rPr lang="fr-FR" sz="2400" dirty="0" smtClean="0">
-                <a:latin typeface="Times New Roman" pitchFamily="18" charset="0"/>
-                <a:cs typeface="Times New Roman" pitchFamily="18" charset="0"/>
+              <a:rPr lang="fr-FR" dirty="0" smtClean="0">
+                <a:latin typeface="Times New Roman" panose="02020603050405020304" pitchFamily="18" charset="0"/>
+                <a:cs typeface="Times New Roman" panose="02020603050405020304" pitchFamily="18" charset="0"/>
               </a:rPr>
               <a:t>(b)</a:t>
             </a:r>
-            <a:endParaRPr lang="fr-FR" sz="2400" dirty="0">
-              <a:latin typeface="Times New Roman" pitchFamily="18" charset="0"/>
-              <a:cs typeface="Times New Roman" pitchFamily="18" charset="0"/>
+            <a:endParaRPr lang="en-US" dirty="0">
+              <a:latin typeface="Times New Roman" panose="02020603050405020304" pitchFamily="18" charset="0"/>
+              <a:cs typeface="Times New Roman" panose="02020603050405020304" pitchFamily="18" charset="0"/>
             </a:endParaRPr>
           </a:p>
         </p:txBody>
@@ -3298,13 +3718,20 @@
     </p:spTree>
     <p:extLst>
       <p:ext uri="{BB962C8B-B14F-4D97-AF65-F5344CB8AC3E}">
-        <p14:creationId xmlns:p14="http://schemas.microsoft.com/office/powerpoint/2010/main" val="1085192445"/>
+        <p14:creationId xmlns:p14="http://schemas.microsoft.com/office/powerpoint/2010/main" val="3666327530"/>
       </p:ext>
     </p:extLst>
   </p:cSld>
   <p:clrMapOvr>
     <a:masterClrMapping/>
   </p:clrMapOvr>
+  <p:timing>
+    <p:tnLst>
+      <p:par>
+        <p:cTn id="1" dur="indefinite" restart="never" nodeType="tmRoot"/>
+      </p:par>
+    </p:tnLst>
+  </p:timing>
 </p:sld>
 </file>
 
@@ -3591,4 +4018,289 @@
   <a:objectDefaults/>
   <a:extraClrSchemeLst/>
 </a:theme>
+</file>
+
+<file path=ppt/theme/theme2.xml><?xml version="1.0" encoding="utf-8"?>
+<a:theme xmlns:a="http://schemas.openxmlformats.org/drawingml/2006/main" name="Thème Office">
+  <a:themeElements>
+    <a:clrScheme name="Office">
+      <a:dk1>
+        <a:sysClr val="windowText" lastClr="000000"/>
+      </a:dk1>
+      <a:lt1>
+        <a:sysClr val="window" lastClr="FFFFFF"/>
+      </a:lt1>
+      <a:dk2>
+        <a:srgbClr val="1F497D"/>
+      </a:dk2>
+      <a:lt2>
+        <a:srgbClr val="EEECE1"/>
+      </a:lt2>
+      <a:accent1>
+        <a:srgbClr val="4F81BD"/>
+      </a:accent1>
+      <a:accent2>
+        <a:srgbClr val="C0504D"/>
+      </a:accent2>
+      <a:accent3>
+        <a:srgbClr val="9BBB59"/>
+      </a:accent3>
+      <a:accent4>
+        <a:srgbClr val="8064A2"/>
+      </a:accent4>
+      <a:accent5>
+        <a:srgbClr val="4BACC6"/>
+      </a:accent5>
+      <a:accent6>
+        <a:srgbClr val="F79646"/>
+      </a:accent6>
+      <a:hlink>
+        <a:srgbClr val="0000FF"/>
+      </a:hlink>
+      <a:folHlink>
+        <a:srgbClr val="800080"/>
+      </a:folHlink>
+    </a:clrScheme>
+    <a:fontScheme name="Office">
+      <a:majorFont>
+        <a:latin typeface="Calibri"/>
+        <a:ea typeface=""/>
+        <a:cs typeface=""/>
+        <a:font script="Jpan" typeface="ＭＳ Ｐゴシック"/>
+        <a:font script="Hang" typeface="맑은 고딕"/>
+        <a:font script="Hans" typeface="宋体"/>
+        <a:font script="Hant" typeface="新細明體"/>
+        <a:font script="Arab" typeface="Times New Roman"/>
+        <a:font script="Hebr" typeface="Times New Roman"/>
+        <a:font script="Thai" typeface="Angsana New"/>
+        <a:font script="Ethi" typeface="Nyala"/>
+        <a:font script="Beng" typeface="Vrinda"/>
+        <a:font script="Gujr" typeface="Shruti"/>
+        <a:font script="Khmr" typeface="MoolBoran"/>
+        <a:font script="Knda" typeface="Tunga"/>
+        <a:font script="Guru" typeface="Raavi"/>
+        <a:font script="Cans" typeface="Euphemia"/>
+        <a:font script="Cher" typeface="Plantagenet Cherokee"/>
+        <a:font script="Yiii" typeface="Microsoft Yi Baiti"/>
+        <a:font script="Tibt" typeface="Microsoft Himalaya"/>
+        <a:font script="Thaa" typeface="MV Boli"/>
+        <a:font script="Deva" typeface="Mangal"/>
+        <a:font script="Telu" typeface="Gautami"/>
+        <a:font script="Taml" typeface="Latha"/>
+        <a:font script="Syrc" typeface="Estrangelo Edessa"/>
+        <a:font script="Orya" typeface="Kalinga"/>
+        <a:font script="Mlym" typeface="Kartika"/>
+        <a:font script="Laoo" typeface="DokChampa"/>
+        <a:font script="Sinh" typeface="Iskoola Pota"/>
+        <a:font script="Mong" typeface="Mongolian Baiti"/>
+        <a:font script="Viet" typeface="Times New Roman"/>
+        <a:font script="Uigh" typeface="Microsoft Uighur"/>
+        <a:font script="Geor" typeface="Sylfaen"/>
+      </a:majorFont>
+      <a:minorFont>
+        <a:latin typeface="Calibri"/>
+        <a:ea typeface=""/>
+        <a:cs typeface=""/>
+        <a:font script="Jpan" typeface="ＭＳ Ｐゴシック"/>
+        <a:font script="Hang" typeface="맑은 고딕"/>
+        <a:font script="Hans" typeface="宋体"/>
+        <a:font script="Hant" typeface="新細明體"/>
+        <a:font script="Arab" typeface="Arial"/>
+        <a:font script="Hebr" typeface="Arial"/>
+        <a:font script="Thai" typeface="Cordia New"/>
+        <a:font script="Ethi" typeface="Nyala"/>
+        <a:font script="Beng" typeface="Vrinda"/>
+        <a:font script="Gujr" typeface="Shruti"/>
+        <a:font script="Khmr" typeface="DaunPenh"/>
+        <a:font script="Knda" typeface="Tunga"/>
+        <a:font script="Guru" typeface="Raavi"/>
+        <a:font script="Cans" typeface="Euphemia"/>
+        <a:font script="Cher" typeface="Plantagenet Cherokee"/>
+        <a:font script="Yiii" typeface="Microsoft Yi Baiti"/>
+        <a:font script="Tibt" typeface="Microsoft Himalaya"/>
+        <a:font script="Thaa" typeface="MV Boli"/>
+        <a:font script="Deva" typeface="Mangal"/>
+        <a:font script="Telu" typeface="Gautami"/>
+        <a:font script="Taml" typeface="Latha"/>
+        <a:font script="Syrc" typeface="Estrangelo Edessa"/>
+        <a:font script="Orya" typeface="Kalinga"/>
+        <a:font script="Mlym" typeface="Kartika"/>
+        <a:font script="Laoo" typeface="DokChampa"/>
+        <a:font script="Sinh" typeface="Iskoola Pota"/>
+        <a:font script="Mong" typeface="Mongolian Baiti"/>
+        <a:font script="Viet" typeface="Arial"/>
+        <a:font script="Uigh" typeface="Microsoft Uighur"/>
+        <a:font script="Geor" typeface="Sylfaen"/>
+      </a:minorFont>
+    </a:fontScheme>
+    <a:fmtScheme name="Office">
+      <a:fillStyleLst>
+        <a:solidFill>
+          <a:schemeClr val="phClr"/>
+        </a:solidFill>
+        <a:gradFill rotWithShape="1">
+          <a:gsLst>
+            <a:gs pos="0">
+              <a:schemeClr val="phClr">
+                <a:tint val="50000"/>
+                <a:satMod val="300000"/>
+              </a:schemeClr>
+            </a:gs>
+            <a:gs pos="35000">
+              <a:schemeClr val="phClr">
+                <a:tint val="37000"/>
+                <a:satMod val="300000"/>
+              </a:schemeClr>
+            </a:gs>
+            <a:gs pos="100000">
+              <a:schemeClr val="phClr">
+                <a:tint val="15000"/>
+                <a:satMod val="350000"/>
+              </a:schemeClr>
+            </a:gs>
+          </a:gsLst>
+          <a:lin ang="16200000" scaled="1"/>
+        </a:gradFill>
+        <a:gradFill rotWithShape="1">
+          <a:gsLst>
+            <a:gs pos="0">
+              <a:schemeClr val="phClr">
+                <a:shade val="51000"/>
+                <a:satMod val="130000"/>
+              </a:schemeClr>
+            </a:gs>
+            <a:gs pos="80000">
+              <a:schemeClr val="phClr">
+                <a:shade val="93000"/>
+                <a:satMod val="130000"/>
+              </a:schemeClr>
+            </a:gs>
+            <a:gs pos="100000">
+              <a:schemeClr val="phClr">
+                <a:shade val="94000"/>
+                <a:satMod val="135000"/>
+              </a:schemeClr>
+            </a:gs>
+          </a:gsLst>
+          <a:lin ang="16200000" scaled="0"/>
+        </a:gradFill>
+      </a:fillStyleLst>
+      <a:lnStyleLst>
+        <a:ln w="9525" cap="flat" cmpd="sng" algn="ctr">
+          <a:solidFill>
+            <a:schemeClr val="phClr">
+              <a:shade val="95000"/>
+              <a:satMod val="105000"/>
+            </a:schemeClr>
+          </a:solidFill>
+          <a:prstDash val="solid"/>
+        </a:ln>
+        <a:ln w="25400" cap="flat" cmpd="sng" algn="ctr">
+          <a:solidFill>
+            <a:schemeClr val="phClr"/>
+          </a:solidFill>
+          <a:prstDash val="solid"/>
+        </a:ln>
+        <a:ln w="38100" cap="flat" cmpd="sng" algn="ctr">
+          <a:solidFill>
+            <a:schemeClr val="phClr"/>
+          </a:solidFill>
+          <a:prstDash val="solid"/>
+        </a:ln>
+      </a:lnStyleLst>
+      <a:effectStyleLst>
+        <a:effectStyle>
+          <a:effectLst>
+            <a:outerShdw blurRad="40000" dist="20000" dir="5400000" rotWithShape="0">
+              <a:srgbClr val="000000">
+                <a:alpha val="38000"/>
+              </a:srgbClr>
+            </a:outerShdw>
+          </a:effectLst>
+        </a:effectStyle>
+        <a:effectStyle>
+          <a:effectLst>
+            <a:outerShdw blurRad="40000" dist="23000" dir="5400000" rotWithShape="0">
+              <a:srgbClr val="000000">
+                <a:alpha val="35000"/>
+              </a:srgbClr>
+            </a:outerShdw>
+          </a:effectLst>
+        </a:effectStyle>
+        <a:effectStyle>
+          <a:effectLst>
+            <a:outerShdw blurRad="40000" dist="23000" dir="5400000" rotWithShape="0">
+              <a:srgbClr val="000000">
+                <a:alpha val="35000"/>
+              </a:srgbClr>
+            </a:outerShdw>
+          </a:effectLst>
+          <a:scene3d>
+            <a:camera prst="orthographicFront">
+              <a:rot lat="0" lon="0" rev="0"/>
+            </a:camera>
+            <a:lightRig rig="threePt" dir="t">
+              <a:rot lat="0" lon="0" rev="1200000"/>
+            </a:lightRig>
+          </a:scene3d>
+          <a:sp3d>
+            <a:bevelT w="63500" h="25400"/>
+          </a:sp3d>
+        </a:effectStyle>
+      </a:effectStyleLst>
+      <a:bgFillStyleLst>
+        <a:solidFill>
+          <a:schemeClr val="phClr"/>
+        </a:solidFill>
+        <a:gradFill rotWithShape="1">
+          <a:gsLst>
+            <a:gs pos="0">
+              <a:schemeClr val="phClr">
+                <a:tint val="40000"/>
+                <a:satMod val="350000"/>
+              </a:schemeClr>
+            </a:gs>
+            <a:gs pos="40000">
+              <a:schemeClr val="phClr">
+                <a:tint val="45000"/>
+                <a:shade val="99000"/>
+                <a:satMod val="350000"/>
+              </a:schemeClr>
+            </a:gs>
+            <a:gs pos="100000">
+              <a:schemeClr val="phClr">
+                <a:shade val="20000"/>
+                <a:satMod val="255000"/>
+              </a:schemeClr>
+            </a:gs>
+          </a:gsLst>
+          <a:path path="circle">
+            <a:fillToRect l="50000" t="-80000" r="50000" b="180000"/>
+          </a:path>
+        </a:gradFill>
+        <a:gradFill rotWithShape="1">
+          <a:gsLst>
+            <a:gs pos="0">
+              <a:schemeClr val="phClr">
+                <a:tint val="80000"/>
+                <a:satMod val="300000"/>
+              </a:schemeClr>
+            </a:gs>
+            <a:gs pos="100000">
+              <a:schemeClr val="phClr">
+                <a:shade val="30000"/>
+                <a:satMod val="200000"/>
+              </a:schemeClr>
+            </a:gs>
+          </a:gsLst>
+          <a:path path="circle">
+            <a:fillToRect l="50000" t="50000" r="50000" b="50000"/>
+          </a:path>
+        </a:gradFill>
+      </a:bgFillStyleLst>
+    </a:fmtScheme>
+  </a:themeElements>
+  <a:objectDefaults/>
+  <a:extraClrSchemeLst/>
+</a:theme>
 </file>
--- a/05-CrDyn/Pictures/CrosscorFit+B.pptx
+++ b/05-CrDyn/Pictures/CrosscorFit+B.pptx
@@ -192,7 +192,7 @@
           <a:p>
             <a:fld id="{846E01DE-34E9-49ED-964F-82AFB8FEED8D}" type="datetimeFigureOut">
               <a:rPr lang="en-US" smtClean="0"/>
-              <a:t>6/22/2017</a:t>
+              <a:t>11/7/2017</a:t>
             </a:fld>
             <a:endParaRPr lang="en-US"/>
           </a:p>
@@ -730,7 +730,7 @@
           <a:p>
             <a:fld id="{E8FDFF63-9793-40E2-8DBC-13016F069603}" type="datetimeFigureOut">
               <a:rPr lang="en-US" smtClean="0"/>
-              <a:t>6/22/2017</a:t>
+              <a:t>11/7/2017</a:t>
             </a:fld>
             <a:endParaRPr lang="en-US"/>
           </a:p>
@@ -900,7 +900,7 @@
           <a:p>
             <a:fld id="{E8FDFF63-9793-40E2-8DBC-13016F069603}" type="datetimeFigureOut">
               <a:rPr lang="en-US" smtClean="0"/>
-              <a:t>6/22/2017</a:t>
+              <a:t>11/7/2017</a:t>
             </a:fld>
             <a:endParaRPr lang="en-US"/>
           </a:p>
@@ -1080,7 +1080,7 @@
           <a:p>
             <a:fld id="{E8FDFF63-9793-40E2-8DBC-13016F069603}" type="datetimeFigureOut">
               <a:rPr lang="en-US" smtClean="0"/>
-              <a:t>6/22/2017</a:t>
+              <a:t>11/7/2017</a:t>
             </a:fld>
             <a:endParaRPr lang="en-US"/>
           </a:p>
@@ -1250,7 +1250,7 @@
           <a:p>
             <a:fld id="{E8FDFF63-9793-40E2-8DBC-13016F069603}" type="datetimeFigureOut">
               <a:rPr lang="en-US" smtClean="0"/>
-              <a:t>6/22/2017</a:t>
+              <a:t>11/7/2017</a:t>
             </a:fld>
             <a:endParaRPr lang="en-US"/>
           </a:p>
@@ -1496,7 +1496,7 @@
           <a:p>
             <a:fld id="{E8FDFF63-9793-40E2-8DBC-13016F069603}" type="datetimeFigureOut">
               <a:rPr lang="en-US" smtClean="0"/>
-              <a:t>6/22/2017</a:t>
+              <a:t>11/7/2017</a:t>
             </a:fld>
             <a:endParaRPr lang="en-US"/>
           </a:p>
@@ -1784,7 +1784,7 @@
           <a:p>
             <a:fld id="{E8FDFF63-9793-40E2-8DBC-13016F069603}" type="datetimeFigureOut">
               <a:rPr lang="en-US" smtClean="0"/>
-              <a:t>6/22/2017</a:t>
+              <a:t>11/7/2017</a:t>
             </a:fld>
             <a:endParaRPr lang="en-US"/>
           </a:p>
@@ -2206,7 +2206,7 @@
           <a:p>
             <a:fld id="{E8FDFF63-9793-40E2-8DBC-13016F069603}" type="datetimeFigureOut">
               <a:rPr lang="en-US" smtClean="0"/>
-              <a:t>6/22/2017</a:t>
+              <a:t>11/7/2017</a:t>
             </a:fld>
             <a:endParaRPr lang="en-US"/>
           </a:p>
@@ -2324,7 +2324,7 @@
           <a:p>
             <a:fld id="{E8FDFF63-9793-40E2-8DBC-13016F069603}" type="datetimeFigureOut">
               <a:rPr lang="en-US" smtClean="0"/>
-              <a:t>6/22/2017</a:t>
+              <a:t>11/7/2017</a:t>
             </a:fld>
             <a:endParaRPr lang="en-US"/>
           </a:p>
@@ -2419,7 +2419,7 @@
           <a:p>
             <a:fld id="{E8FDFF63-9793-40E2-8DBC-13016F069603}" type="datetimeFigureOut">
               <a:rPr lang="en-US" smtClean="0"/>
-              <a:t>6/22/2017</a:t>
+              <a:t>11/7/2017</a:t>
             </a:fld>
             <a:endParaRPr lang="en-US"/>
           </a:p>
@@ -2696,7 +2696,7 @@
           <a:p>
             <a:fld id="{E8FDFF63-9793-40E2-8DBC-13016F069603}" type="datetimeFigureOut">
               <a:rPr lang="en-US" smtClean="0"/>
-              <a:t>6/22/2017</a:t>
+              <a:t>11/7/2017</a:t>
             </a:fld>
             <a:endParaRPr lang="en-US"/>
           </a:p>
@@ -2949,7 +2949,7 @@
           <a:p>
             <a:fld id="{E8FDFF63-9793-40E2-8DBC-13016F069603}" type="datetimeFigureOut">
               <a:rPr lang="en-US" smtClean="0"/>
-              <a:t>6/22/2017</a:t>
+              <a:t>11/7/2017</a:t>
             </a:fld>
             <a:endParaRPr lang="en-US"/>
           </a:p>
@@ -3162,7 +3162,7 @@
           <a:p>
             <a:fld id="{E8FDFF63-9793-40E2-8DBC-13016F069603}" type="datetimeFigureOut">
               <a:rPr lang="en-US" smtClean="0"/>
-              <a:t>6/22/2017</a:t>
+              <a:t>11/7/2017</a:t>
             </a:fld>
             <a:endParaRPr lang="en-US"/>
           </a:p>
@@ -3599,8 +3599,8 @@
         </p:nvSpPr>
         <p:spPr>
           <a:xfrm>
-            <a:off x="35526" y="26204"/>
-            <a:ext cx="441146" cy="369332"/>
+            <a:off x="521692" y="72306"/>
+            <a:ext cx="526106" cy="461665"/>
           </a:xfrm>
           <a:prstGeom prst="rect">
             <a:avLst/>
@@ -3614,13 +3614,13 @@
           <a:lstStyle/>
           <a:p>
             <a:r>
-              <a:rPr lang="fr-FR" dirty="0" smtClean="0">
+              <a:rPr lang="fr-FR" sz="2400" dirty="0" smtClean="0">
                 <a:latin typeface="Times New Roman" panose="02020603050405020304" pitchFamily="18" charset="0"/>
                 <a:cs typeface="Times New Roman" panose="02020603050405020304" pitchFamily="18" charset="0"/>
               </a:rPr>
               <a:t>(a)</a:t>
             </a:r>
-            <a:endParaRPr lang="en-US" dirty="0">
+            <a:endParaRPr lang="en-US" sz="2400" dirty="0">
               <a:latin typeface="Times New Roman" panose="02020603050405020304" pitchFamily="18" charset="0"/>
               <a:cs typeface="Times New Roman" panose="02020603050405020304" pitchFamily="18" charset="0"/>
             </a:endParaRPr>
@@ -3687,8 +3687,8 @@
         </p:nvSpPr>
         <p:spPr>
           <a:xfrm>
-            <a:off x="3429000" y="1171447"/>
-            <a:ext cx="453970" cy="369332"/>
+            <a:off x="4122092" y="1296442"/>
+            <a:ext cx="543739" cy="461665"/>
           </a:xfrm>
           <a:prstGeom prst="rect">
             <a:avLst/>
@@ -3702,13 +3702,13 @@
           <a:lstStyle/>
           <a:p>
             <a:r>
-              <a:rPr lang="fr-FR" dirty="0" smtClean="0">
+              <a:rPr lang="fr-FR" sz="2400" dirty="0" smtClean="0">
                 <a:latin typeface="Times New Roman" panose="02020603050405020304" pitchFamily="18" charset="0"/>
                 <a:cs typeface="Times New Roman" panose="02020603050405020304" pitchFamily="18" charset="0"/>
               </a:rPr>
               <a:t>(b)</a:t>
             </a:r>
-            <a:endParaRPr lang="en-US" dirty="0">
+            <a:endParaRPr lang="en-US" sz="2400" dirty="0">
               <a:latin typeface="Times New Roman" panose="02020603050405020304" pitchFamily="18" charset="0"/>
               <a:cs typeface="Times New Roman" panose="02020603050405020304" pitchFamily="18" charset="0"/>
             </a:endParaRPr>
